--- a/Class 04 - Linear Regression.pptx
+++ b/Class 04 - Linear Regression.pptx
@@ -30,15 +30,16 @@
     <p:sldId id="290" r:id="rId24"/>
     <p:sldId id="285" r:id="rId25"/>
     <p:sldId id="291" r:id="rId26"/>
-    <p:sldId id="267" r:id="rId27"/>
-    <p:sldId id="266" r:id="rId28"/>
-    <p:sldId id="268" r:id="rId29"/>
-    <p:sldId id="265" r:id="rId30"/>
-    <p:sldId id="269" r:id="rId31"/>
-    <p:sldId id="263" r:id="rId32"/>
-    <p:sldId id="278" r:id="rId33"/>
-    <p:sldId id="262" r:id="rId34"/>
-    <p:sldId id="277" r:id="rId35"/>
+    <p:sldId id="292" r:id="rId27"/>
+    <p:sldId id="267" r:id="rId28"/>
+    <p:sldId id="266" r:id="rId29"/>
+    <p:sldId id="268" r:id="rId30"/>
+    <p:sldId id="265" r:id="rId31"/>
+    <p:sldId id="269" r:id="rId32"/>
+    <p:sldId id="263" r:id="rId33"/>
+    <p:sldId id="278" r:id="rId34"/>
+    <p:sldId id="262" r:id="rId35"/>
+    <p:sldId id="277" r:id="rId36"/>
   </p:sldIdLst>
   <p:sldSz cx="12192000" cy="6858000"/>
   <p:notesSz cx="6858000" cy="9144000"/>
@@ -13625,7 +13626,7 @@
           <p:cNvPr id="2" name="TextBox 1">
             <a:extLst>
               <a:ext uri="{FF2B5EF4-FFF2-40B4-BE49-F238E27FC236}">
-                <a16:creationId xmlns:a16="http://schemas.microsoft.com/office/drawing/2014/main" id="{BE092ABC-3148-44DA-9C70-543AACFBB6BB}"/>
+                <a16:creationId xmlns:a16="http://schemas.microsoft.com/office/drawing/2014/main" id="{A76A7FE1-3947-440B-9ADF-50659B096BFA}"/>
               </a:ext>
             </a:extLst>
           </p:cNvPr>
@@ -13659,619 +13660,10 @@
       </p:sp>
       <p:sp>
         <p:nvSpPr>
-          <p:cNvPr id="7" name="TextBox 6">
-            <a:extLst>
-              <a:ext uri="{FF2B5EF4-FFF2-40B4-BE49-F238E27FC236}">
-                <a16:creationId xmlns:a16="http://schemas.microsoft.com/office/drawing/2014/main" id="{0B2C085B-4F87-43E6-98C7-543D15265458}"/>
-              </a:ext>
-            </a:extLst>
-          </p:cNvPr>
-          <p:cNvSpPr txBox="1"/>
-          <p:nvPr/>
-        </p:nvSpPr>
-        <p:spPr>
-          <a:xfrm>
-            <a:off x="4220308" y="519499"/>
-            <a:ext cx="4304714" cy="400110"/>
-          </a:xfrm>
-          <a:prstGeom prst="rect">
-            <a:avLst/>
-          </a:prstGeom>
-          <a:noFill/>
-        </p:spPr>
-        <p:txBody>
-          <a:bodyPr wrap="square" rtlCol="0">
-            <a:spAutoFit/>
-          </a:bodyPr>
-          <a:lstStyle/>
-          <a:p>
-            <a:r>
-              <a:rPr lang="en-US" sz="2000" dirty="0">
-                <a:latin typeface="Segoe Print" panose="02000600000000000000" pitchFamily="2" charset="0"/>
-              </a:rPr>
-              <a:t>All about Linear Regression</a:t>
-            </a:r>
-          </a:p>
-        </p:txBody>
-      </p:sp>
-      <p:sp>
-        <p:nvSpPr>
-          <p:cNvPr id="6" name="TextBox 5">
-            <a:extLst>
-              <a:ext uri="{FF2B5EF4-FFF2-40B4-BE49-F238E27FC236}">
-                <a16:creationId xmlns:a16="http://schemas.microsoft.com/office/drawing/2014/main" id="{7686ED05-9F08-487F-9CA0-56052E0C5D97}"/>
-              </a:ext>
-            </a:extLst>
-          </p:cNvPr>
-          <p:cNvSpPr txBox="1"/>
-          <p:nvPr/>
-        </p:nvSpPr>
-        <p:spPr>
-          <a:xfrm>
-            <a:off x="1177853" y="2384350"/>
-            <a:ext cx="7079882" cy="369332"/>
-          </a:xfrm>
-          <a:prstGeom prst="rect">
-            <a:avLst/>
-          </a:prstGeom>
-          <a:noFill/>
-        </p:spPr>
-        <p:txBody>
-          <a:bodyPr wrap="square" rtlCol="0">
-            <a:spAutoFit/>
-          </a:bodyPr>
-          <a:lstStyle/>
-          <a:p>
-            <a:r>
-              <a:rPr lang="en-US" dirty="0"/>
-              <a:t>The cost function is a function, which is associates a cost with a decision.</a:t>
-            </a:r>
-          </a:p>
-        </p:txBody>
-      </p:sp>
-      <p:sp>
-        <p:nvSpPr>
-          <p:cNvPr id="14" name="Oval 13">
-            <a:extLst>
-              <a:ext uri="{FF2B5EF4-FFF2-40B4-BE49-F238E27FC236}">
-                <a16:creationId xmlns:a16="http://schemas.microsoft.com/office/drawing/2014/main" id="{1FF2A6B9-FD2D-4FFB-B2B9-2257AAD20C22}"/>
-              </a:ext>
-            </a:extLst>
-          </p:cNvPr>
-          <p:cNvSpPr/>
-          <p:nvPr/>
-        </p:nvSpPr>
-        <p:spPr>
-          <a:xfrm>
-            <a:off x="5036233" y="2919046"/>
-            <a:ext cx="2119533" cy="908274"/>
-          </a:xfrm>
-          <a:prstGeom prst="ellipse">
-            <a:avLst/>
-          </a:prstGeom>
-        </p:spPr>
-        <p:style>
-          <a:lnRef idx="2">
-            <a:schemeClr val="accent1">
-              <a:shade val="50000"/>
-            </a:schemeClr>
-          </a:lnRef>
-          <a:fillRef idx="1">
-            <a:schemeClr val="accent1"/>
-          </a:fillRef>
-          <a:effectRef idx="0">
-            <a:schemeClr val="accent1"/>
-          </a:effectRef>
-          <a:fontRef idx="minor">
-            <a:schemeClr val="lt1"/>
-          </a:fontRef>
-        </p:style>
-        <p:txBody>
-          <a:bodyPr rtlCol="0" anchor="ctr"/>
-          <a:lstStyle/>
-          <a:p>
-            <a:pPr algn="ctr"/>
-            <a:r>
-              <a:rPr lang="en-US" dirty="0"/>
-              <a:t>Map</a:t>
-            </a:r>
-          </a:p>
-        </p:txBody>
-      </p:sp>
-      <p:cxnSp>
-        <p:nvCxnSpPr>
-          <p:cNvPr id="16" name="Straight Arrow Connector 15">
-            <a:extLst>
-              <a:ext uri="{FF2B5EF4-FFF2-40B4-BE49-F238E27FC236}">
-                <a16:creationId xmlns:a16="http://schemas.microsoft.com/office/drawing/2014/main" id="{3FB72702-C04E-4179-BD47-0D2875BEA7FD}"/>
-              </a:ext>
-            </a:extLst>
-          </p:cNvPr>
-          <p:cNvCxnSpPr/>
-          <p:nvPr/>
-        </p:nvCxnSpPr>
-        <p:spPr>
-          <a:xfrm>
-            <a:off x="6096000" y="3981157"/>
-            <a:ext cx="0" cy="998806"/>
-          </a:xfrm>
-          <a:prstGeom prst="straightConnector1">
-            <a:avLst/>
-          </a:prstGeom>
-          <a:ln>
-            <a:tailEnd type="triangle"/>
-          </a:ln>
-        </p:spPr>
-        <p:style>
-          <a:lnRef idx="1">
-            <a:schemeClr val="accent1"/>
-          </a:lnRef>
-          <a:fillRef idx="0">
-            <a:schemeClr val="accent1"/>
-          </a:fillRef>
-          <a:effectRef idx="0">
-            <a:schemeClr val="accent1"/>
-          </a:effectRef>
-          <a:fontRef idx="minor">
-            <a:schemeClr val="tx1"/>
-          </a:fontRef>
-        </p:style>
-      </p:cxnSp>
-      <p:sp>
-        <p:nvSpPr>
-          <p:cNvPr id="17" name="Oval 16">
-            <a:extLst>
-              <a:ext uri="{FF2B5EF4-FFF2-40B4-BE49-F238E27FC236}">
-                <a16:creationId xmlns:a16="http://schemas.microsoft.com/office/drawing/2014/main" id="{A298DFC8-7CC6-481F-B9E1-964FAAB3B781}"/>
-              </a:ext>
-            </a:extLst>
-          </p:cNvPr>
-          <p:cNvSpPr/>
-          <p:nvPr/>
-        </p:nvSpPr>
-        <p:spPr>
-          <a:xfrm>
-            <a:off x="5118295" y="5165150"/>
-            <a:ext cx="1955409" cy="605818"/>
-          </a:xfrm>
-          <a:prstGeom prst="ellipse">
-            <a:avLst/>
-          </a:prstGeom>
-        </p:spPr>
-        <p:style>
-          <a:lnRef idx="2">
-            <a:schemeClr val="accent1">
-              <a:shade val="50000"/>
-            </a:schemeClr>
-          </a:lnRef>
-          <a:fillRef idx="1">
-            <a:schemeClr val="accent1"/>
-          </a:fillRef>
-          <a:effectRef idx="0">
-            <a:schemeClr val="accent1"/>
-          </a:effectRef>
-          <a:fontRef idx="minor">
-            <a:schemeClr val="lt1"/>
-          </a:fontRef>
-        </p:style>
-        <p:txBody>
-          <a:bodyPr rtlCol="0" anchor="ctr"/>
-          <a:lstStyle/>
-          <a:p>
-            <a:pPr algn="ctr"/>
-            <a:r>
-              <a:rPr lang="en-US" dirty="0"/>
-              <a:t>Dhanmondi</a:t>
-            </a:r>
-          </a:p>
-        </p:txBody>
-      </p:sp>
-      <p:sp>
-        <p:nvSpPr>
-          <p:cNvPr id="18" name="Oval 17">
-            <a:extLst>
-              <a:ext uri="{FF2B5EF4-FFF2-40B4-BE49-F238E27FC236}">
-                <a16:creationId xmlns:a16="http://schemas.microsoft.com/office/drawing/2014/main" id="{83E50218-19BD-4FDC-BD15-63FB16DA61EC}"/>
-              </a:ext>
-            </a:extLst>
-          </p:cNvPr>
-          <p:cNvSpPr/>
-          <p:nvPr/>
-        </p:nvSpPr>
-        <p:spPr>
-          <a:xfrm>
-            <a:off x="3080824" y="5165150"/>
-            <a:ext cx="1955409" cy="605818"/>
-          </a:xfrm>
-          <a:prstGeom prst="ellipse">
-            <a:avLst/>
-          </a:prstGeom>
-        </p:spPr>
-        <p:style>
-          <a:lnRef idx="2">
-            <a:schemeClr val="accent1">
-              <a:shade val="50000"/>
-            </a:schemeClr>
-          </a:lnRef>
-          <a:fillRef idx="1">
-            <a:schemeClr val="accent1"/>
-          </a:fillRef>
-          <a:effectRef idx="0">
-            <a:schemeClr val="accent1"/>
-          </a:effectRef>
-          <a:fontRef idx="minor">
-            <a:schemeClr val="lt1"/>
-          </a:fontRef>
-        </p:style>
-        <p:txBody>
-          <a:bodyPr rtlCol="0" anchor="ctr"/>
-          <a:lstStyle/>
-          <a:p>
-            <a:pPr algn="ctr"/>
-            <a:r>
-              <a:rPr lang="en-US" dirty="0"/>
-              <a:t>Dhanmondi</a:t>
-            </a:r>
-          </a:p>
-        </p:txBody>
-      </p:sp>
-      <p:sp>
-        <p:nvSpPr>
-          <p:cNvPr id="19" name="Oval 18">
-            <a:extLst>
-              <a:ext uri="{FF2B5EF4-FFF2-40B4-BE49-F238E27FC236}">
-                <a16:creationId xmlns:a16="http://schemas.microsoft.com/office/drawing/2014/main" id="{757EDAEB-9F3A-4991-BC7C-B0EE0FADD5E6}"/>
-              </a:ext>
-            </a:extLst>
-          </p:cNvPr>
-          <p:cNvSpPr/>
-          <p:nvPr/>
-        </p:nvSpPr>
-        <p:spPr>
-          <a:xfrm>
-            <a:off x="7155766" y="5060096"/>
-            <a:ext cx="1955409" cy="605818"/>
-          </a:xfrm>
-          <a:prstGeom prst="ellipse">
-            <a:avLst/>
-          </a:prstGeom>
-        </p:spPr>
-        <p:style>
-          <a:lnRef idx="2">
-            <a:schemeClr val="accent1">
-              <a:shade val="50000"/>
-            </a:schemeClr>
-          </a:lnRef>
-          <a:fillRef idx="1">
-            <a:schemeClr val="accent1"/>
-          </a:fillRef>
-          <a:effectRef idx="0">
-            <a:schemeClr val="accent1"/>
-          </a:effectRef>
-          <a:fontRef idx="minor">
-            <a:schemeClr val="lt1"/>
-          </a:fontRef>
-        </p:style>
-        <p:txBody>
-          <a:bodyPr rtlCol="0" anchor="ctr"/>
-          <a:lstStyle/>
-          <a:p>
-            <a:pPr algn="ctr"/>
-            <a:r>
-              <a:rPr lang="en-US" dirty="0"/>
-              <a:t>Dhanmondi</a:t>
-            </a:r>
-          </a:p>
-        </p:txBody>
-      </p:sp>
-      <p:sp>
-        <p:nvSpPr>
-          <p:cNvPr id="20" name="Oval 19">
-            <a:extLst>
-              <a:ext uri="{FF2B5EF4-FFF2-40B4-BE49-F238E27FC236}">
-                <a16:creationId xmlns:a16="http://schemas.microsoft.com/office/drawing/2014/main" id="{92DF3B39-714E-4234-B23E-F7711FFAD876}"/>
-              </a:ext>
-            </a:extLst>
-          </p:cNvPr>
-          <p:cNvSpPr/>
-          <p:nvPr/>
-        </p:nvSpPr>
-        <p:spPr>
-          <a:xfrm>
-            <a:off x="1043353" y="5203987"/>
-            <a:ext cx="1955409" cy="605818"/>
-          </a:xfrm>
-          <a:prstGeom prst="ellipse">
-            <a:avLst/>
-          </a:prstGeom>
-        </p:spPr>
-        <p:style>
-          <a:lnRef idx="2">
-            <a:schemeClr val="accent1">
-              <a:shade val="50000"/>
-            </a:schemeClr>
-          </a:lnRef>
-          <a:fillRef idx="1">
-            <a:schemeClr val="accent1"/>
-          </a:fillRef>
-          <a:effectRef idx="0">
-            <a:schemeClr val="accent1"/>
-          </a:effectRef>
-          <a:fontRef idx="minor">
-            <a:schemeClr val="lt1"/>
-          </a:fontRef>
-        </p:style>
-        <p:txBody>
-          <a:bodyPr rtlCol="0" anchor="ctr"/>
-          <a:lstStyle/>
-          <a:p>
-            <a:pPr algn="ctr"/>
-            <a:r>
-              <a:rPr lang="en-US" dirty="0"/>
-              <a:t>Dhanmondi</a:t>
-            </a:r>
-          </a:p>
-        </p:txBody>
-      </p:sp>
-      <p:sp>
-        <p:nvSpPr>
-          <p:cNvPr id="21" name="Oval 20">
-            <a:extLst>
-              <a:ext uri="{FF2B5EF4-FFF2-40B4-BE49-F238E27FC236}">
-                <a16:creationId xmlns:a16="http://schemas.microsoft.com/office/drawing/2014/main" id="{74329739-021B-40DD-A603-493188368D2F}"/>
-              </a:ext>
-            </a:extLst>
-          </p:cNvPr>
-          <p:cNvSpPr/>
-          <p:nvPr/>
-        </p:nvSpPr>
-        <p:spPr>
-          <a:xfrm>
-            <a:off x="9376117" y="5053516"/>
-            <a:ext cx="1955409" cy="605818"/>
-          </a:xfrm>
-          <a:prstGeom prst="ellipse">
-            <a:avLst/>
-          </a:prstGeom>
-        </p:spPr>
-        <p:style>
-          <a:lnRef idx="2">
-            <a:schemeClr val="accent1">
-              <a:shade val="50000"/>
-            </a:schemeClr>
-          </a:lnRef>
-          <a:fillRef idx="1">
-            <a:schemeClr val="accent1"/>
-          </a:fillRef>
-          <a:effectRef idx="0">
-            <a:schemeClr val="accent1"/>
-          </a:effectRef>
-          <a:fontRef idx="minor">
-            <a:schemeClr val="lt1"/>
-          </a:fontRef>
-        </p:style>
-        <p:txBody>
-          <a:bodyPr rtlCol="0" anchor="ctr"/>
-          <a:lstStyle/>
-          <a:p>
-            <a:pPr algn="ctr"/>
-            <a:r>
-              <a:rPr lang="en-US" dirty="0"/>
-              <a:t>Dhanmondi</a:t>
-            </a:r>
-          </a:p>
-        </p:txBody>
-      </p:sp>
-      <p:cxnSp>
-        <p:nvCxnSpPr>
-          <p:cNvPr id="23" name="Straight Arrow Connector 22">
-            <a:extLst>
-              <a:ext uri="{FF2B5EF4-FFF2-40B4-BE49-F238E27FC236}">
-                <a16:creationId xmlns:a16="http://schemas.microsoft.com/office/drawing/2014/main" id="{63B429B0-3A21-48AA-BA41-BDD838F49059}"/>
-              </a:ext>
-            </a:extLst>
-          </p:cNvPr>
-          <p:cNvCxnSpPr>
-            <a:cxnSpLocks/>
-          </p:cNvCxnSpPr>
-          <p:nvPr/>
-        </p:nvCxnSpPr>
-        <p:spPr>
-          <a:xfrm flipH="1">
-            <a:off x="4360986" y="3893742"/>
-            <a:ext cx="1138310" cy="1159774"/>
-          </a:xfrm>
-          <a:prstGeom prst="straightConnector1">
-            <a:avLst/>
-          </a:prstGeom>
-          <a:ln>
-            <a:tailEnd type="triangle"/>
-          </a:ln>
-        </p:spPr>
-        <p:style>
-          <a:lnRef idx="1">
-            <a:schemeClr val="accent1"/>
-          </a:lnRef>
-          <a:fillRef idx="0">
-            <a:schemeClr val="accent1"/>
-          </a:fillRef>
-          <a:effectRef idx="0">
-            <a:schemeClr val="accent1"/>
-          </a:effectRef>
-          <a:fontRef idx="minor">
-            <a:schemeClr val="tx1"/>
-          </a:fontRef>
-        </p:style>
-      </p:cxnSp>
-      <p:cxnSp>
-        <p:nvCxnSpPr>
-          <p:cNvPr id="24" name="Straight Arrow Connector 23">
-            <a:extLst>
-              <a:ext uri="{FF2B5EF4-FFF2-40B4-BE49-F238E27FC236}">
-                <a16:creationId xmlns:a16="http://schemas.microsoft.com/office/drawing/2014/main" id="{79F3AC97-08EF-4833-8862-EA596FD430E3}"/>
-              </a:ext>
-            </a:extLst>
-          </p:cNvPr>
-          <p:cNvCxnSpPr>
-            <a:cxnSpLocks/>
-          </p:cNvCxnSpPr>
-          <p:nvPr/>
-        </p:nvCxnSpPr>
-        <p:spPr>
-          <a:xfrm flipH="1">
-            <a:off x="2658795" y="3655758"/>
-            <a:ext cx="2377439" cy="1509392"/>
-          </a:xfrm>
-          <a:prstGeom prst="straightConnector1">
-            <a:avLst/>
-          </a:prstGeom>
-          <a:ln>
-            <a:tailEnd type="triangle"/>
-          </a:ln>
-        </p:spPr>
-        <p:style>
-          <a:lnRef idx="1">
-            <a:schemeClr val="accent1"/>
-          </a:lnRef>
-          <a:fillRef idx="0">
-            <a:schemeClr val="accent1"/>
-          </a:fillRef>
-          <a:effectRef idx="0">
-            <a:schemeClr val="accent1"/>
-          </a:effectRef>
-          <a:fontRef idx="minor">
-            <a:schemeClr val="tx1"/>
-          </a:fontRef>
-        </p:style>
-      </p:cxnSp>
-      <p:cxnSp>
-        <p:nvCxnSpPr>
-          <p:cNvPr id="27" name="Straight Arrow Connector 26">
-            <a:extLst>
-              <a:ext uri="{FF2B5EF4-FFF2-40B4-BE49-F238E27FC236}">
-                <a16:creationId xmlns:a16="http://schemas.microsoft.com/office/drawing/2014/main" id="{4E384C85-4CC1-49CC-B42F-4F897DFE88CE}"/>
-              </a:ext>
-            </a:extLst>
-          </p:cNvPr>
-          <p:cNvCxnSpPr>
-            <a:cxnSpLocks/>
-          </p:cNvCxnSpPr>
-          <p:nvPr/>
-        </p:nvCxnSpPr>
-        <p:spPr>
-          <a:xfrm>
-            <a:off x="6991643" y="3785377"/>
-            <a:ext cx="2847536" cy="1194586"/>
-          </a:xfrm>
-          <a:prstGeom prst="straightConnector1">
-            <a:avLst/>
-          </a:prstGeom>
-          <a:ln>
-            <a:tailEnd type="triangle"/>
-          </a:ln>
-        </p:spPr>
-        <p:style>
-          <a:lnRef idx="1">
-            <a:schemeClr val="accent1"/>
-          </a:lnRef>
-          <a:fillRef idx="0">
-            <a:schemeClr val="accent1"/>
-          </a:fillRef>
-          <a:effectRef idx="0">
-            <a:schemeClr val="accent1"/>
-          </a:effectRef>
-          <a:fontRef idx="minor">
-            <a:schemeClr val="tx1"/>
-          </a:fontRef>
-        </p:style>
-      </p:cxnSp>
-      <p:cxnSp>
-        <p:nvCxnSpPr>
-          <p:cNvPr id="29" name="Straight Arrow Connector 28">
-            <a:extLst>
-              <a:ext uri="{FF2B5EF4-FFF2-40B4-BE49-F238E27FC236}">
-                <a16:creationId xmlns:a16="http://schemas.microsoft.com/office/drawing/2014/main" id="{7D5A0F5C-E026-4BC2-AE62-2A1E856A76AF}"/>
-              </a:ext>
-            </a:extLst>
-          </p:cNvPr>
-          <p:cNvCxnSpPr>
-            <a:cxnSpLocks/>
-          </p:cNvCxnSpPr>
-          <p:nvPr/>
-        </p:nvCxnSpPr>
-        <p:spPr>
-          <a:xfrm>
-            <a:off x="6467621" y="3938954"/>
-            <a:ext cx="1151207" cy="1041009"/>
-          </a:xfrm>
-          <a:prstGeom prst="straightConnector1">
-            <a:avLst/>
-          </a:prstGeom>
-          <a:ln>
-            <a:tailEnd type="triangle"/>
-          </a:ln>
-        </p:spPr>
-        <p:style>
-          <a:lnRef idx="1">
-            <a:schemeClr val="accent1"/>
-          </a:lnRef>
-          <a:fillRef idx="0">
-            <a:schemeClr val="accent1"/>
-          </a:fillRef>
-          <a:effectRef idx="0">
-            <a:schemeClr val="accent1"/>
-          </a:effectRef>
-          <a:fontRef idx="minor">
-            <a:schemeClr val="tx1"/>
-          </a:fontRef>
-        </p:style>
-      </p:cxnSp>
-      <p:sp>
-        <p:nvSpPr>
-          <p:cNvPr id="25" name="TextBox 24">
-            <a:extLst>
-              <a:ext uri="{FF2B5EF4-FFF2-40B4-BE49-F238E27FC236}">
-                <a16:creationId xmlns:a16="http://schemas.microsoft.com/office/drawing/2014/main" id="{831FD108-F23B-471E-A38C-0FB4ADFD0B6A}"/>
-              </a:ext>
-            </a:extLst>
-          </p:cNvPr>
-          <p:cNvSpPr txBox="1"/>
-          <p:nvPr/>
-        </p:nvSpPr>
-        <p:spPr>
-          <a:xfrm>
-            <a:off x="4923693" y="1389941"/>
-            <a:ext cx="3043310" cy="461665"/>
-          </a:xfrm>
-          <a:prstGeom prst="rect">
-            <a:avLst/>
-          </a:prstGeom>
-          <a:noFill/>
-        </p:spPr>
-        <p:txBody>
-          <a:bodyPr wrap="square" rtlCol="0">
-            <a:spAutoFit/>
-          </a:bodyPr>
-          <a:lstStyle/>
-          <a:p>
-            <a:r>
-              <a:rPr lang="en-US" sz="2400" dirty="0">
-                <a:solidFill>
-                  <a:srgbClr val="FF0000"/>
-                </a:solidFill>
-                <a:latin typeface="Segoe Print" panose="02000600000000000000" pitchFamily="2" charset="0"/>
-              </a:rPr>
-              <a:t>Cost Function</a:t>
-            </a:r>
-          </a:p>
-        </p:txBody>
-      </p:sp>
-      <p:sp>
-        <p:nvSpPr>
-          <p:cNvPr id="22" name="TextBox 21">
-            <a:extLst>
-              <a:ext uri="{FF2B5EF4-FFF2-40B4-BE49-F238E27FC236}">
-                <a16:creationId xmlns:a16="http://schemas.microsoft.com/office/drawing/2014/main" id="{16027DEC-069F-4718-B995-FEBE1D7FD574}"/>
+          <p:cNvPr id="3" name="TextBox 2">
+            <a:extLst>
+              <a:ext uri="{FF2B5EF4-FFF2-40B4-BE49-F238E27FC236}">
+                <a16:creationId xmlns:a16="http://schemas.microsoft.com/office/drawing/2014/main" id="{25073336-80D6-47BE-B298-3B9B0522AB99}"/>
               </a:ext>
             </a:extLst>
           </p:cNvPr>
@@ -14308,10 +13700,10 @@
       </p:sp>
       <p:sp>
         <p:nvSpPr>
-          <p:cNvPr id="26" name="Oval 25">
-            <a:extLst>
-              <a:ext uri="{FF2B5EF4-FFF2-40B4-BE49-F238E27FC236}">
-                <a16:creationId xmlns:a16="http://schemas.microsoft.com/office/drawing/2014/main" id="{6C00C04A-130B-48F0-B6A1-8261E58B3710}"/>
+          <p:cNvPr id="4" name="Oval 3">
+            <a:extLst>
+              <a:ext uri="{FF2B5EF4-FFF2-40B4-BE49-F238E27FC236}">
+                <a16:creationId xmlns:a16="http://schemas.microsoft.com/office/drawing/2014/main" id="{D509165A-7F63-4A29-BE9E-A57BC2DCCBA1}"/>
               </a:ext>
             </a:extLst>
           </p:cNvPr>
@@ -14362,10 +13754,10 @@
       </p:sp>
       <p:pic>
         <p:nvPicPr>
-          <p:cNvPr id="28" name="Picture 27">
-            <a:extLst>
-              <a:ext uri="{FF2B5EF4-FFF2-40B4-BE49-F238E27FC236}">
-                <a16:creationId xmlns:a16="http://schemas.microsoft.com/office/drawing/2014/main" id="{19935963-AD10-4AF0-BF8B-C7E472371675}"/>
+          <p:cNvPr id="5" name="Picture 4">
+            <a:extLst>
+              <a:ext uri="{FF2B5EF4-FFF2-40B4-BE49-F238E27FC236}">
+                <a16:creationId xmlns:a16="http://schemas.microsoft.com/office/drawing/2014/main" id="{3346227C-599C-4687-8B99-2BF502873FD5}"/>
               </a:ext>
             </a:extLst>
           </p:cNvPr>
@@ -14395,10 +13787,350 @@
           </a:prstGeom>
         </p:spPr>
       </p:pic>
+      <p:sp>
+        <p:nvSpPr>
+          <p:cNvPr id="6" name="TextBox 5">
+            <a:extLst>
+              <a:ext uri="{FF2B5EF4-FFF2-40B4-BE49-F238E27FC236}">
+                <a16:creationId xmlns:a16="http://schemas.microsoft.com/office/drawing/2014/main" id="{DBD45D5A-F7CD-42C5-A6C5-0C1E682B9DF2}"/>
+              </a:ext>
+            </a:extLst>
+          </p:cNvPr>
+          <p:cNvSpPr txBox="1"/>
+          <p:nvPr/>
+        </p:nvSpPr>
+        <p:spPr>
+          <a:xfrm>
+            <a:off x="4220308" y="519499"/>
+            <a:ext cx="4304714" cy="400110"/>
+          </a:xfrm>
+          <a:prstGeom prst="rect">
+            <a:avLst/>
+          </a:prstGeom>
+          <a:noFill/>
+        </p:spPr>
+        <p:txBody>
+          <a:bodyPr wrap="square" rtlCol="0">
+            <a:spAutoFit/>
+          </a:bodyPr>
+          <a:lstStyle/>
+          <a:p>
+            <a:r>
+              <a:rPr lang="en-US" sz="2000" dirty="0">
+                <a:latin typeface="Segoe Print" panose="02000600000000000000" pitchFamily="2" charset="0"/>
+              </a:rPr>
+              <a:t>All about Linear Regression</a:t>
+            </a:r>
+          </a:p>
+        </p:txBody>
+      </p:sp>
+      <p:pic>
+        <p:nvPicPr>
+          <p:cNvPr id="12" name="Picture 11">
+            <a:extLst>
+              <a:ext uri="{FF2B5EF4-FFF2-40B4-BE49-F238E27FC236}">
+                <a16:creationId xmlns:a16="http://schemas.microsoft.com/office/drawing/2014/main" id="{38143990-E8CF-4E4D-9600-7B5DE73E20B9}"/>
+              </a:ext>
+            </a:extLst>
+          </p:cNvPr>
+          <p:cNvPicPr>
+            <a:picLocks noChangeAspect="1"/>
+          </p:cNvPicPr>
+          <p:nvPr/>
+        </p:nvPicPr>
+        <p:blipFill>
+          <a:blip r:embed="rId3">
+            <a:extLst>
+              <a:ext uri="{28A0092B-C50C-407E-A947-70E740481C1C}">
+                <a14:useLocalDpi xmlns:a14="http://schemas.microsoft.com/office/drawing/2010/main" val="0"/>
+              </a:ext>
+            </a:extLst>
+          </a:blip>
+          <a:stretch>
+            <a:fillRect/>
+          </a:stretch>
+        </p:blipFill>
+        <p:spPr>
+          <a:xfrm>
+            <a:off x="6706903" y="2430429"/>
+            <a:ext cx="4939682" cy="3958768"/>
+          </a:xfrm>
+          <a:prstGeom prst="rect">
+            <a:avLst/>
+          </a:prstGeom>
+        </p:spPr>
+      </p:pic>
+      <p:pic>
+        <p:nvPicPr>
+          <p:cNvPr id="14" name="Picture 13">
+            <a:extLst>
+              <a:ext uri="{FF2B5EF4-FFF2-40B4-BE49-F238E27FC236}">
+                <a16:creationId xmlns:a16="http://schemas.microsoft.com/office/drawing/2014/main" id="{12030F31-91E1-4AC6-92D8-514BFB370DAF}"/>
+              </a:ext>
+            </a:extLst>
+          </p:cNvPr>
+          <p:cNvPicPr>
+            <a:picLocks noChangeAspect="1"/>
+          </p:cNvPicPr>
+          <p:nvPr/>
+        </p:nvPicPr>
+        <p:blipFill>
+          <a:blip r:embed="rId4">
+            <a:extLst>
+              <a:ext uri="{28A0092B-C50C-407E-A947-70E740481C1C}">
+                <a14:useLocalDpi xmlns:a14="http://schemas.microsoft.com/office/drawing/2010/main" val="0"/>
+              </a:ext>
+            </a:extLst>
+          </a:blip>
+          <a:stretch>
+            <a:fillRect/>
+          </a:stretch>
+        </p:blipFill>
+        <p:spPr>
+          <a:xfrm>
+            <a:off x="893089" y="2920767"/>
+            <a:ext cx="1988616" cy="3178775"/>
+          </a:xfrm>
+          <a:prstGeom prst="rect">
+            <a:avLst/>
+          </a:prstGeom>
+        </p:spPr>
+      </p:pic>
+      <p:sp>
+        <p:nvSpPr>
+          <p:cNvPr id="15" name="Rectangle 14">
+            <a:extLst>
+              <a:ext uri="{FF2B5EF4-FFF2-40B4-BE49-F238E27FC236}">
+                <a16:creationId xmlns:a16="http://schemas.microsoft.com/office/drawing/2014/main" id="{14D36ED1-8E48-4B64-9245-FB74D5EFFDD3}"/>
+              </a:ext>
+            </a:extLst>
+          </p:cNvPr>
+          <p:cNvSpPr/>
+          <p:nvPr/>
+        </p:nvSpPr>
+        <p:spPr>
+          <a:xfrm>
+            <a:off x="1063495" y="2772176"/>
+            <a:ext cx="1426487" cy="297181"/>
+          </a:xfrm>
+          <a:prstGeom prst="rect">
+            <a:avLst/>
+          </a:prstGeom>
+        </p:spPr>
+        <p:style>
+          <a:lnRef idx="2">
+            <a:schemeClr val="accent1">
+              <a:shade val="50000"/>
+            </a:schemeClr>
+          </a:lnRef>
+          <a:fillRef idx="1">
+            <a:schemeClr val="accent1"/>
+          </a:fillRef>
+          <a:effectRef idx="0">
+            <a:schemeClr val="accent1"/>
+          </a:effectRef>
+          <a:fontRef idx="minor">
+            <a:schemeClr val="lt1"/>
+          </a:fontRef>
+        </p:style>
+        <p:txBody>
+          <a:bodyPr rtlCol="0" anchor="ctr"/>
+          <a:lstStyle/>
+          <a:p>
+            <a:pPr algn="ctr"/>
+            <a:r>
+              <a:rPr lang="en-US" sz="2000" dirty="0"/>
+              <a:t>Data Set</a:t>
+            </a:r>
+          </a:p>
+        </p:txBody>
+      </p:sp>
+      <p:sp>
+        <p:nvSpPr>
+          <p:cNvPr id="16" name="Rectangle 15">
+            <a:extLst>
+              <a:ext uri="{FF2B5EF4-FFF2-40B4-BE49-F238E27FC236}">
+                <a16:creationId xmlns:a16="http://schemas.microsoft.com/office/drawing/2014/main" id="{097F98A0-AD1B-4A7C-83D0-8033ADC8E0A9}"/>
+              </a:ext>
+            </a:extLst>
+          </p:cNvPr>
+          <p:cNvSpPr/>
+          <p:nvPr/>
+        </p:nvSpPr>
+        <p:spPr>
+          <a:xfrm>
+            <a:off x="3404381" y="2920767"/>
+            <a:ext cx="2488677" cy="341983"/>
+          </a:xfrm>
+          <a:prstGeom prst="rect">
+            <a:avLst/>
+          </a:prstGeom>
+          <a:solidFill>
+            <a:schemeClr val="accent2">
+              <a:lumMod val="75000"/>
+            </a:schemeClr>
+          </a:solidFill>
+        </p:spPr>
+        <p:style>
+          <a:lnRef idx="2">
+            <a:schemeClr val="accent1">
+              <a:shade val="50000"/>
+            </a:schemeClr>
+          </a:lnRef>
+          <a:fillRef idx="1">
+            <a:schemeClr val="accent1"/>
+          </a:fillRef>
+          <a:effectRef idx="0">
+            <a:schemeClr val="accent1"/>
+          </a:effectRef>
+          <a:fontRef idx="minor">
+            <a:schemeClr val="lt1"/>
+          </a:fontRef>
+        </p:style>
+        <p:txBody>
+          <a:bodyPr rtlCol="0" anchor="ctr"/>
+          <a:lstStyle/>
+          <a:p>
+            <a:pPr algn="ctr"/>
+            <a:r>
+              <a:rPr lang="en-US" sz="2000" dirty="0">
+                <a:solidFill>
+                  <a:schemeClr val="bg1"/>
+                </a:solidFill>
+              </a:rPr>
+              <a:t>Predict New Value</a:t>
+            </a:r>
+          </a:p>
+        </p:txBody>
+      </p:sp>
+      <p:sp>
+        <p:nvSpPr>
+          <p:cNvPr id="17" name="Oval 16">
+            <a:extLst>
+              <a:ext uri="{FF2B5EF4-FFF2-40B4-BE49-F238E27FC236}">
+                <a16:creationId xmlns:a16="http://schemas.microsoft.com/office/drawing/2014/main" id="{787DB583-6AB0-45FB-B311-040A7C0A41DA}"/>
+              </a:ext>
+            </a:extLst>
+          </p:cNvPr>
+          <p:cNvSpPr/>
+          <p:nvPr/>
+        </p:nvSpPr>
+        <p:spPr>
+          <a:xfrm>
+            <a:off x="7519182" y="3118939"/>
+            <a:ext cx="1181686" cy="508233"/>
+          </a:xfrm>
+          <a:prstGeom prst="ellipse">
+            <a:avLst/>
+          </a:prstGeom>
+        </p:spPr>
+        <p:style>
+          <a:lnRef idx="2">
+            <a:schemeClr val="dk1">
+              <a:shade val="50000"/>
+            </a:schemeClr>
+          </a:lnRef>
+          <a:fillRef idx="1">
+            <a:schemeClr val="dk1"/>
+          </a:fillRef>
+          <a:effectRef idx="0">
+            <a:schemeClr val="dk1"/>
+          </a:effectRef>
+          <a:fontRef idx="minor">
+            <a:schemeClr val="lt1"/>
+          </a:fontRef>
+        </p:style>
+        <p:txBody>
+          <a:bodyPr rtlCol="0" anchor="ctr"/>
+          <a:lstStyle/>
+          <a:p>
+            <a:pPr algn="ctr"/>
+            <a:r>
+              <a:rPr lang="en-US" dirty="0"/>
+              <a:t>Line</a:t>
+            </a:r>
+          </a:p>
+        </p:txBody>
+      </p:sp>
+      <p:cxnSp>
+        <p:nvCxnSpPr>
+          <p:cNvPr id="19" name="Straight Arrow Connector 18">
+            <a:extLst>
+              <a:ext uri="{FF2B5EF4-FFF2-40B4-BE49-F238E27FC236}">
+                <a16:creationId xmlns:a16="http://schemas.microsoft.com/office/drawing/2014/main" id="{0196CD2C-DAC8-465B-9D63-C726FDDA5509}"/>
+              </a:ext>
+            </a:extLst>
+          </p:cNvPr>
+          <p:cNvCxnSpPr/>
+          <p:nvPr/>
+        </p:nvCxnSpPr>
+        <p:spPr>
+          <a:xfrm>
+            <a:off x="8384345" y="3699803"/>
+            <a:ext cx="1181686" cy="506437"/>
+          </a:xfrm>
+          <a:prstGeom prst="straightConnector1">
+            <a:avLst/>
+          </a:prstGeom>
+          <a:ln>
+            <a:tailEnd type="triangle"/>
+          </a:ln>
+        </p:spPr>
+        <p:style>
+          <a:lnRef idx="1">
+            <a:schemeClr val="accent1"/>
+          </a:lnRef>
+          <a:fillRef idx="0">
+            <a:schemeClr val="accent1"/>
+          </a:fillRef>
+          <a:effectRef idx="0">
+            <a:schemeClr val="accent1"/>
+          </a:effectRef>
+          <a:fontRef idx="minor">
+            <a:schemeClr val="tx1"/>
+          </a:fontRef>
+        </p:style>
+      </p:cxnSp>
+      <p:pic>
+        <p:nvPicPr>
+          <p:cNvPr id="9" name="Picture 8">
+            <a:extLst>
+              <a:ext uri="{FF2B5EF4-FFF2-40B4-BE49-F238E27FC236}">
+                <a16:creationId xmlns:a16="http://schemas.microsoft.com/office/drawing/2014/main" id="{244A0D20-723B-4586-A5A6-E9EE204FA5A2}"/>
+              </a:ext>
+            </a:extLst>
+          </p:cNvPr>
+          <p:cNvPicPr>
+            <a:picLocks noChangeAspect="1"/>
+          </p:cNvPicPr>
+          <p:nvPr/>
+        </p:nvPicPr>
+        <p:blipFill>
+          <a:blip r:embed="rId5">
+            <a:extLst>
+              <a:ext uri="{28A0092B-C50C-407E-A947-70E740481C1C}">
+                <a14:useLocalDpi xmlns:a14="http://schemas.microsoft.com/office/drawing/2010/main" val="0"/>
+              </a:ext>
+            </a:extLst>
+          </a:blip>
+          <a:stretch>
+            <a:fillRect/>
+          </a:stretch>
+        </p:blipFill>
+        <p:spPr>
+          <a:xfrm>
+            <a:off x="3358478" y="3317324"/>
+            <a:ext cx="2521817" cy="1620438"/>
+          </a:xfrm>
+          <a:prstGeom prst="rect">
+            <a:avLst/>
+          </a:prstGeom>
+        </p:spPr>
+      </p:pic>
     </p:spTree>
     <p:extLst>
       <p:ext uri="{BB962C8B-B14F-4D97-AF65-F5344CB8AC3E}">
-        <p14:creationId xmlns:p14="http://schemas.microsoft.com/office/powerpoint/2010/main" val="3167956638"/>
+        <p14:creationId xmlns:p14="http://schemas.microsoft.com/office/powerpoint/2010/main" val="2481816834"/>
       </p:ext>
     </p:extLst>
   </p:cSld>
@@ -14529,7 +14261,7 @@
           <a:p>
             <a:r>
               <a:rPr lang="en-US" dirty="0"/>
-              <a:t>The cost function is a function, which is associates a cost with a decision</a:t>
+              <a:t>The cost function is a function, which is associates a cost with a decision.</a:t>
             </a:r>
           </a:p>
         </p:txBody>
@@ -15033,201 +14765,10 @@
       </p:cxnSp>
       <p:sp>
         <p:nvSpPr>
-          <p:cNvPr id="31" name="TextBox 30">
-            <a:extLst>
-              <a:ext uri="{FF2B5EF4-FFF2-40B4-BE49-F238E27FC236}">
-                <a16:creationId xmlns:a16="http://schemas.microsoft.com/office/drawing/2014/main" id="{D121906B-600D-4975-87B7-CA069F4E9A16}"/>
-              </a:ext>
-            </a:extLst>
-          </p:cNvPr>
-          <p:cNvSpPr txBox="1"/>
-          <p:nvPr/>
-        </p:nvSpPr>
-        <p:spPr>
-          <a:xfrm>
-            <a:off x="3038622" y="3875979"/>
-            <a:ext cx="987086" cy="369332"/>
-          </a:xfrm>
-          <a:prstGeom prst="rect">
-            <a:avLst/>
-          </a:prstGeom>
-          <a:noFill/>
-        </p:spPr>
-        <p:txBody>
-          <a:bodyPr wrap="square" rtlCol="0">
-            <a:spAutoFit/>
-          </a:bodyPr>
-          <a:lstStyle/>
-          <a:p>
-            <a:r>
-              <a:rPr lang="en-US" dirty="0">
-                <a:solidFill>
-                  <a:srgbClr val="FF0000"/>
-                </a:solidFill>
-              </a:rPr>
-              <a:t>50 min</a:t>
-            </a:r>
-          </a:p>
-        </p:txBody>
-      </p:sp>
-      <p:sp>
-        <p:nvSpPr>
-          <p:cNvPr id="32" name="TextBox 31">
-            <a:extLst>
-              <a:ext uri="{FF2B5EF4-FFF2-40B4-BE49-F238E27FC236}">
-                <a16:creationId xmlns:a16="http://schemas.microsoft.com/office/drawing/2014/main" id="{75360B60-F328-40C1-A318-6531FF60F8AF}"/>
-              </a:ext>
-            </a:extLst>
-          </p:cNvPr>
-          <p:cNvSpPr txBox="1"/>
-          <p:nvPr/>
-        </p:nvSpPr>
-        <p:spPr>
-          <a:xfrm>
-            <a:off x="7099496" y="4225788"/>
-            <a:ext cx="987086" cy="369332"/>
-          </a:xfrm>
-          <a:prstGeom prst="rect">
-            <a:avLst/>
-          </a:prstGeom>
-          <a:noFill/>
-        </p:spPr>
-        <p:txBody>
-          <a:bodyPr wrap="square" rtlCol="0">
-            <a:spAutoFit/>
-          </a:bodyPr>
-          <a:lstStyle/>
-          <a:p>
-            <a:r>
-              <a:rPr lang="en-US" dirty="0">
-                <a:solidFill>
-                  <a:srgbClr val="FF0000"/>
-                </a:solidFill>
-              </a:rPr>
-              <a:t>40 min</a:t>
-            </a:r>
-          </a:p>
-        </p:txBody>
-      </p:sp>
-      <p:sp>
-        <p:nvSpPr>
-          <p:cNvPr id="33" name="TextBox 32">
-            <a:extLst>
-              <a:ext uri="{FF2B5EF4-FFF2-40B4-BE49-F238E27FC236}">
-                <a16:creationId xmlns:a16="http://schemas.microsoft.com/office/drawing/2014/main" id="{BF440600-BA6A-4026-A92B-9F9A55E547A3}"/>
-              </a:ext>
-            </a:extLst>
-          </p:cNvPr>
-          <p:cNvSpPr txBox="1"/>
-          <p:nvPr/>
-        </p:nvSpPr>
-        <p:spPr>
-          <a:xfrm>
-            <a:off x="8142850" y="3875979"/>
-            <a:ext cx="987086" cy="369332"/>
-          </a:xfrm>
-          <a:prstGeom prst="rect">
-            <a:avLst/>
-          </a:prstGeom>
-          <a:noFill/>
-        </p:spPr>
-        <p:txBody>
-          <a:bodyPr wrap="square" rtlCol="0">
-            <a:spAutoFit/>
-          </a:bodyPr>
-          <a:lstStyle/>
-          <a:p>
-            <a:r>
-              <a:rPr lang="en-US" dirty="0">
-                <a:solidFill>
-                  <a:srgbClr val="FF0000"/>
-                </a:solidFill>
-              </a:rPr>
-              <a:t>55 min</a:t>
-            </a:r>
-          </a:p>
-        </p:txBody>
-      </p:sp>
-      <p:sp>
-        <p:nvSpPr>
-          <p:cNvPr id="34" name="TextBox 33">
-            <a:extLst>
-              <a:ext uri="{FF2B5EF4-FFF2-40B4-BE49-F238E27FC236}">
-                <a16:creationId xmlns:a16="http://schemas.microsoft.com/office/drawing/2014/main" id="{07C32F6D-4C13-428F-A548-DF48B7E56597}"/>
-              </a:ext>
-            </a:extLst>
-          </p:cNvPr>
-          <p:cNvSpPr txBox="1"/>
-          <p:nvPr/>
-        </p:nvSpPr>
-        <p:spPr>
-          <a:xfrm>
-            <a:off x="4171070" y="4137215"/>
-            <a:ext cx="947226" cy="369332"/>
-          </a:xfrm>
-          <a:prstGeom prst="rect">
-            <a:avLst/>
-          </a:prstGeom>
-          <a:noFill/>
-        </p:spPr>
-        <p:txBody>
-          <a:bodyPr wrap="square" rtlCol="0">
-            <a:spAutoFit/>
-          </a:bodyPr>
-          <a:lstStyle/>
-          <a:p>
-            <a:r>
-              <a:rPr lang="en-US" dirty="0">
-                <a:solidFill>
-                  <a:srgbClr val="FF0000"/>
-                </a:solidFill>
-              </a:rPr>
-              <a:t>30 min</a:t>
-            </a:r>
-          </a:p>
-        </p:txBody>
-      </p:sp>
-      <p:sp>
-        <p:nvSpPr>
-          <p:cNvPr id="35" name="TextBox 34">
-            <a:extLst>
-              <a:ext uri="{FF2B5EF4-FFF2-40B4-BE49-F238E27FC236}">
-                <a16:creationId xmlns:a16="http://schemas.microsoft.com/office/drawing/2014/main" id="{6DB6307E-5B63-446F-810F-0EA3819FFA09}"/>
-              </a:ext>
-            </a:extLst>
-          </p:cNvPr>
-          <p:cNvSpPr txBox="1"/>
-          <p:nvPr/>
-        </p:nvSpPr>
-        <p:spPr>
-          <a:xfrm>
-            <a:off x="5195669" y="4321881"/>
-            <a:ext cx="987086" cy="369332"/>
-          </a:xfrm>
-          <a:prstGeom prst="rect">
-            <a:avLst/>
-          </a:prstGeom>
-          <a:noFill/>
-        </p:spPr>
-        <p:txBody>
-          <a:bodyPr wrap="square" rtlCol="0">
-            <a:spAutoFit/>
-          </a:bodyPr>
-          <a:lstStyle/>
-          <a:p>
-            <a:r>
-              <a:rPr lang="en-US" dirty="0"/>
-              <a:t>20 min</a:t>
-            </a:r>
-          </a:p>
-        </p:txBody>
-      </p:sp>
-      <p:sp>
-        <p:nvSpPr>
-          <p:cNvPr id="26" name="TextBox 25">
-            <a:extLst>
-              <a:ext uri="{FF2B5EF4-FFF2-40B4-BE49-F238E27FC236}">
-                <a16:creationId xmlns:a16="http://schemas.microsoft.com/office/drawing/2014/main" id="{77699C0C-E869-4538-91A1-86007D3447FF}"/>
+          <p:cNvPr id="25" name="TextBox 24">
+            <a:extLst>
+              <a:ext uri="{FF2B5EF4-FFF2-40B4-BE49-F238E27FC236}">
+                <a16:creationId xmlns:a16="http://schemas.microsoft.com/office/drawing/2014/main" id="{831FD108-F23B-471E-A38C-0FB4ADFD0B6A}"/>
               </a:ext>
             </a:extLst>
           </p:cNvPr>
@@ -15264,10 +14805,10 @@
       </p:sp>
       <p:sp>
         <p:nvSpPr>
-          <p:cNvPr id="25" name="TextBox 24">
-            <a:extLst>
-              <a:ext uri="{FF2B5EF4-FFF2-40B4-BE49-F238E27FC236}">
-                <a16:creationId xmlns:a16="http://schemas.microsoft.com/office/drawing/2014/main" id="{B538E485-2916-46C4-8D72-1FB3CC6F2C4F}"/>
+          <p:cNvPr id="22" name="TextBox 21">
+            <a:extLst>
+              <a:ext uri="{FF2B5EF4-FFF2-40B4-BE49-F238E27FC236}">
+                <a16:creationId xmlns:a16="http://schemas.microsoft.com/office/drawing/2014/main" id="{16027DEC-069F-4718-B995-FEBE1D7FD574}"/>
               </a:ext>
             </a:extLst>
           </p:cNvPr>
@@ -15304,10 +14845,10 @@
       </p:sp>
       <p:sp>
         <p:nvSpPr>
-          <p:cNvPr id="28" name="Oval 27">
-            <a:extLst>
-              <a:ext uri="{FF2B5EF4-FFF2-40B4-BE49-F238E27FC236}">
-                <a16:creationId xmlns:a16="http://schemas.microsoft.com/office/drawing/2014/main" id="{01D266B8-2DCF-4D4D-94C7-E799B5071E72}"/>
+          <p:cNvPr id="26" name="Oval 25">
+            <a:extLst>
+              <a:ext uri="{FF2B5EF4-FFF2-40B4-BE49-F238E27FC236}">
+                <a16:creationId xmlns:a16="http://schemas.microsoft.com/office/drawing/2014/main" id="{6C00C04A-130B-48F0-B6A1-8261E58B3710}"/>
               </a:ext>
             </a:extLst>
           </p:cNvPr>
@@ -15358,10 +14899,10 @@
       </p:sp>
       <p:pic>
         <p:nvPicPr>
-          <p:cNvPr id="30" name="Picture 29">
-            <a:extLst>
-              <a:ext uri="{FF2B5EF4-FFF2-40B4-BE49-F238E27FC236}">
-                <a16:creationId xmlns:a16="http://schemas.microsoft.com/office/drawing/2014/main" id="{5FFEE350-32F3-465F-BDFD-7AC2F1A3F442}"/>
+          <p:cNvPr id="28" name="Picture 27">
+            <a:extLst>
+              <a:ext uri="{FF2B5EF4-FFF2-40B4-BE49-F238E27FC236}">
+                <a16:creationId xmlns:a16="http://schemas.microsoft.com/office/drawing/2014/main" id="{19935963-AD10-4AF0-BF8B-C7E472371675}"/>
               </a:ext>
             </a:extLst>
           </p:cNvPr>
@@ -15394,7 +14935,7 @@
     </p:spTree>
     <p:extLst>
       <p:ext uri="{BB962C8B-B14F-4D97-AF65-F5344CB8AC3E}">
-        <p14:creationId xmlns:p14="http://schemas.microsoft.com/office/powerpoint/2010/main" val="2992334559"/>
+        <p14:creationId xmlns:p14="http://schemas.microsoft.com/office/powerpoint/2010/main" val="3167956638"/>
       </p:ext>
     </p:extLst>
   </p:cSld>
@@ -16056,162 +15597,22 @@
           <a:lstStyle/>
           <a:p>
             <a:r>
-              <a:rPr lang="en-US" dirty="0"/>
-              <a:t>50 min</a:t>
-            </a:r>
-          </a:p>
-        </p:txBody>
-      </p:sp>
-      <p:sp>
-        <p:nvSpPr>
-          <p:cNvPr id="32" name="TextBox 31">
-            <a:extLst>
-              <a:ext uri="{FF2B5EF4-FFF2-40B4-BE49-F238E27FC236}">
-                <a16:creationId xmlns:a16="http://schemas.microsoft.com/office/drawing/2014/main" id="{75360B60-F328-40C1-A318-6531FF60F8AF}"/>
-              </a:ext>
-            </a:extLst>
-          </p:cNvPr>
-          <p:cNvSpPr txBox="1"/>
-          <p:nvPr/>
-        </p:nvSpPr>
-        <p:spPr>
-          <a:xfrm>
-            <a:off x="7099496" y="4225788"/>
-            <a:ext cx="987086" cy="369332"/>
-          </a:xfrm>
-          <a:prstGeom prst="rect">
-            <a:avLst/>
-          </a:prstGeom>
-          <a:noFill/>
-        </p:spPr>
-        <p:txBody>
-          <a:bodyPr wrap="square" rtlCol="0">
-            <a:spAutoFit/>
-          </a:bodyPr>
-          <a:lstStyle/>
-          <a:p>
-            <a:r>
-              <a:rPr lang="en-US" dirty="0"/>
-              <a:t>40 min</a:t>
-            </a:r>
-          </a:p>
-        </p:txBody>
-      </p:sp>
-      <p:sp>
-        <p:nvSpPr>
-          <p:cNvPr id="33" name="TextBox 32">
-            <a:extLst>
-              <a:ext uri="{FF2B5EF4-FFF2-40B4-BE49-F238E27FC236}">
-                <a16:creationId xmlns:a16="http://schemas.microsoft.com/office/drawing/2014/main" id="{BF440600-BA6A-4026-A92B-9F9A55E547A3}"/>
-              </a:ext>
-            </a:extLst>
-          </p:cNvPr>
-          <p:cNvSpPr txBox="1"/>
-          <p:nvPr/>
-        </p:nvSpPr>
-        <p:spPr>
-          <a:xfrm>
-            <a:off x="8142850" y="3875979"/>
-            <a:ext cx="987086" cy="369332"/>
-          </a:xfrm>
-          <a:prstGeom prst="rect">
-            <a:avLst/>
-          </a:prstGeom>
-          <a:noFill/>
-        </p:spPr>
-        <p:txBody>
-          <a:bodyPr wrap="square" rtlCol="0">
-            <a:spAutoFit/>
-          </a:bodyPr>
-          <a:lstStyle/>
-          <a:p>
-            <a:r>
-              <a:rPr lang="en-US" dirty="0"/>
-              <a:t>55 min</a:t>
-            </a:r>
-          </a:p>
-        </p:txBody>
-      </p:sp>
-      <p:sp>
-        <p:nvSpPr>
-          <p:cNvPr id="34" name="TextBox 33">
-            <a:extLst>
-              <a:ext uri="{FF2B5EF4-FFF2-40B4-BE49-F238E27FC236}">
-                <a16:creationId xmlns:a16="http://schemas.microsoft.com/office/drawing/2014/main" id="{07C32F6D-4C13-428F-A548-DF48B7E56597}"/>
-              </a:ext>
-            </a:extLst>
-          </p:cNvPr>
-          <p:cNvSpPr txBox="1"/>
-          <p:nvPr/>
-        </p:nvSpPr>
-        <p:spPr>
-          <a:xfrm>
-            <a:off x="4171070" y="4137215"/>
-            <a:ext cx="947226" cy="369332"/>
-          </a:xfrm>
-          <a:prstGeom prst="rect">
-            <a:avLst/>
-          </a:prstGeom>
-          <a:noFill/>
-        </p:spPr>
-        <p:txBody>
-          <a:bodyPr wrap="square" rtlCol="0">
-            <a:spAutoFit/>
-          </a:bodyPr>
-          <a:lstStyle/>
-          <a:p>
-            <a:r>
-              <a:rPr lang="en-US" dirty="0"/>
-              <a:t>30 min</a:t>
-            </a:r>
-          </a:p>
-        </p:txBody>
-      </p:sp>
-      <p:sp>
-        <p:nvSpPr>
-          <p:cNvPr id="35" name="TextBox 34">
-            <a:extLst>
-              <a:ext uri="{FF2B5EF4-FFF2-40B4-BE49-F238E27FC236}">
-                <a16:creationId xmlns:a16="http://schemas.microsoft.com/office/drawing/2014/main" id="{6DB6307E-5B63-446F-810F-0EA3819FFA09}"/>
-              </a:ext>
-            </a:extLst>
-          </p:cNvPr>
-          <p:cNvSpPr txBox="1"/>
-          <p:nvPr/>
-        </p:nvSpPr>
-        <p:spPr>
-          <a:xfrm>
-            <a:off x="5195669" y="4321881"/>
-            <a:ext cx="987086" cy="369332"/>
-          </a:xfrm>
-          <a:prstGeom prst="rect">
-            <a:avLst/>
-          </a:prstGeom>
-          <a:noFill/>
-        </p:spPr>
-        <p:txBody>
-          <a:bodyPr wrap="square" rtlCol="0">
-            <a:spAutoFit/>
-          </a:bodyPr>
-          <a:lstStyle/>
-          <a:p>
-            <a:r>
               <a:rPr lang="en-US" dirty="0">
                 <a:solidFill>
                   <a:srgbClr val="FF0000"/>
                 </a:solidFill>
               </a:rPr>
-              <a:t>20 min</a:t>
-            </a:r>
-          </a:p>
-        </p:txBody>
-      </p:sp>
-      <p:sp>
-        <p:nvSpPr>
-          <p:cNvPr id="25" name="TextBox 24">
-            <a:extLst>
-              <a:ext uri="{FF2B5EF4-FFF2-40B4-BE49-F238E27FC236}">
-                <a16:creationId xmlns:a16="http://schemas.microsoft.com/office/drawing/2014/main" id="{B27BA591-E6EB-4899-8222-C6E081473B54}"/>
+              <a:t>50 min</a:t>
+            </a:r>
+          </a:p>
+        </p:txBody>
+      </p:sp>
+      <p:sp>
+        <p:nvSpPr>
+          <p:cNvPr id="32" name="TextBox 31">
+            <a:extLst>
+              <a:ext uri="{FF2B5EF4-FFF2-40B4-BE49-F238E27FC236}">
+                <a16:creationId xmlns:a16="http://schemas.microsoft.com/office/drawing/2014/main" id="{75360B60-F328-40C1-A318-6531FF60F8AF}"/>
               </a:ext>
             </a:extLst>
           </p:cNvPr>
@@ -16220,8 +15621,8 @@
         </p:nvSpPr>
         <p:spPr>
           <a:xfrm>
-            <a:off x="8415411" y="3082788"/>
-            <a:ext cx="2119532" cy="400110"/>
+            <a:off x="7099496" y="4225788"/>
+            <a:ext cx="987086" cy="369332"/>
           </a:xfrm>
           <a:prstGeom prst="rect">
             <a:avLst/>
@@ -16235,63 +15636,135 @@
           <a:lstStyle/>
           <a:p>
             <a:r>
-              <a:rPr lang="en-US" sz="2000" dirty="0">
+              <a:rPr lang="en-US" dirty="0">
                 <a:solidFill>
                   <a:srgbClr val="FF0000"/>
                 </a:solidFill>
               </a:rPr>
-              <a:t>Cost Function</a:t>
-            </a:r>
-          </a:p>
-        </p:txBody>
-      </p:sp>
-      <p:cxnSp>
-        <p:nvCxnSpPr>
-          <p:cNvPr id="28" name="Straight Arrow Connector 27">
-            <a:extLst>
-              <a:ext uri="{FF2B5EF4-FFF2-40B4-BE49-F238E27FC236}">
-                <a16:creationId xmlns:a16="http://schemas.microsoft.com/office/drawing/2014/main" id="{EACF06BA-5692-4833-A5D7-58EF14BE46E2}"/>
-              </a:ext>
-            </a:extLst>
-          </p:cNvPr>
-          <p:cNvCxnSpPr>
-            <a:cxnSpLocks/>
-          </p:cNvCxnSpPr>
-          <p:nvPr/>
-        </p:nvCxnSpPr>
-        <p:spPr>
-          <a:xfrm>
-            <a:off x="7240174" y="3311390"/>
-            <a:ext cx="1101969" cy="0"/>
-          </a:xfrm>
-          <a:prstGeom prst="straightConnector1">
-            <a:avLst/>
-          </a:prstGeom>
-          <a:ln>
-            <a:tailEnd type="triangle"/>
-          </a:ln>
-        </p:spPr>
-        <p:style>
-          <a:lnRef idx="1">
-            <a:schemeClr val="accent1"/>
-          </a:lnRef>
-          <a:fillRef idx="0">
-            <a:schemeClr val="accent1"/>
-          </a:fillRef>
-          <a:effectRef idx="0">
-            <a:schemeClr val="accent1"/>
-          </a:effectRef>
-          <a:fontRef idx="minor">
-            <a:schemeClr val="tx1"/>
-          </a:fontRef>
-        </p:style>
-      </p:cxnSp>
-      <p:sp>
-        <p:nvSpPr>
-          <p:cNvPr id="30" name="TextBox 29">
-            <a:extLst>
-              <a:ext uri="{FF2B5EF4-FFF2-40B4-BE49-F238E27FC236}">
-                <a16:creationId xmlns:a16="http://schemas.microsoft.com/office/drawing/2014/main" id="{027BE830-168F-46B5-BE5E-F8C9BD72C49A}"/>
+              <a:t>40 min</a:t>
+            </a:r>
+          </a:p>
+        </p:txBody>
+      </p:sp>
+      <p:sp>
+        <p:nvSpPr>
+          <p:cNvPr id="33" name="TextBox 32">
+            <a:extLst>
+              <a:ext uri="{FF2B5EF4-FFF2-40B4-BE49-F238E27FC236}">
+                <a16:creationId xmlns:a16="http://schemas.microsoft.com/office/drawing/2014/main" id="{BF440600-BA6A-4026-A92B-9F9A55E547A3}"/>
+              </a:ext>
+            </a:extLst>
+          </p:cNvPr>
+          <p:cNvSpPr txBox="1"/>
+          <p:nvPr/>
+        </p:nvSpPr>
+        <p:spPr>
+          <a:xfrm>
+            <a:off x="8142850" y="3875979"/>
+            <a:ext cx="987086" cy="369332"/>
+          </a:xfrm>
+          <a:prstGeom prst="rect">
+            <a:avLst/>
+          </a:prstGeom>
+          <a:noFill/>
+        </p:spPr>
+        <p:txBody>
+          <a:bodyPr wrap="square" rtlCol="0">
+            <a:spAutoFit/>
+          </a:bodyPr>
+          <a:lstStyle/>
+          <a:p>
+            <a:r>
+              <a:rPr lang="en-US" dirty="0">
+                <a:solidFill>
+                  <a:srgbClr val="FF0000"/>
+                </a:solidFill>
+              </a:rPr>
+              <a:t>55 min</a:t>
+            </a:r>
+          </a:p>
+        </p:txBody>
+      </p:sp>
+      <p:sp>
+        <p:nvSpPr>
+          <p:cNvPr id="34" name="TextBox 33">
+            <a:extLst>
+              <a:ext uri="{FF2B5EF4-FFF2-40B4-BE49-F238E27FC236}">
+                <a16:creationId xmlns:a16="http://schemas.microsoft.com/office/drawing/2014/main" id="{07C32F6D-4C13-428F-A548-DF48B7E56597}"/>
+              </a:ext>
+            </a:extLst>
+          </p:cNvPr>
+          <p:cNvSpPr txBox="1"/>
+          <p:nvPr/>
+        </p:nvSpPr>
+        <p:spPr>
+          <a:xfrm>
+            <a:off x="4171070" y="4137215"/>
+            <a:ext cx="947226" cy="369332"/>
+          </a:xfrm>
+          <a:prstGeom prst="rect">
+            <a:avLst/>
+          </a:prstGeom>
+          <a:noFill/>
+        </p:spPr>
+        <p:txBody>
+          <a:bodyPr wrap="square" rtlCol="0">
+            <a:spAutoFit/>
+          </a:bodyPr>
+          <a:lstStyle/>
+          <a:p>
+            <a:r>
+              <a:rPr lang="en-US" dirty="0">
+                <a:solidFill>
+                  <a:srgbClr val="FF0000"/>
+                </a:solidFill>
+              </a:rPr>
+              <a:t>30 min</a:t>
+            </a:r>
+          </a:p>
+        </p:txBody>
+      </p:sp>
+      <p:sp>
+        <p:nvSpPr>
+          <p:cNvPr id="35" name="TextBox 34">
+            <a:extLst>
+              <a:ext uri="{FF2B5EF4-FFF2-40B4-BE49-F238E27FC236}">
+                <a16:creationId xmlns:a16="http://schemas.microsoft.com/office/drawing/2014/main" id="{6DB6307E-5B63-446F-810F-0EA3819FFA09}"/>
+              </a:ext>
+            </a:extLst>
+          </p:cNvPr>
+          <p:cNvSpPr txBox="1"/>
+          <p:nvPr/>
+        </p:nvSpPr>
+        <p:spPr>
+          <a:xfrm>
+            <a:off x="5195669" y="4321881"/>
+            <a:ext cx="987086" cy="369332"/>
+          </a:xfrm>
+          <a:prstGeom prst="rect">
+            <a:avLst/>
+          </a:prstGeom>
+          <a:noFill/>
+        </p:spPr>
+        <p:txBody>
+          <a:bodyPr wrap="square" rtlCol="0">
+            <a:spAutoFit/>
+          </a:bodyPr>
+          <a:lstStyle/>
+          <a:p>
+            <a:r>
+              <a:rPr lang="en-US" dirty="0"/>
+              <a:t>20 min</a:t>
+            </a:r>
+          </a:p>
+        </p:txBody>
+      </p:sp>
+      <p:sp>
+        <p:nvSpPr>
+          <p:cNvPr id="26" name="TextBox 25">
+            <a:extLst>
+              <a:ext uri="{FF2B5EF4-FFF2-40B4-BE49-F238E27FC236}">
+                <a16:creationId xmlns:a16="http://schemas.microsoft.com/office/drawing/2014/main" id="{77699C0C-E869-4538-91A1-86007D3447FF}"/>
               </a:ext>
             </a:extLst>
           </p:cNvPr>
@@ -16328,10 +15801,10 @@
       </p:sp>
       <p:sp>
         <p:nvSpPr>
-          <p:cNvPr id="36" name="TextBox 35">
-            <a:extLst>
-              <a:ext uri="{FF2B5EF4-FFF2-40B4-BE49-F238E27FC236}">
-                <a16:creationId xmlns:a16="http://schemas.microsoft.com/office/drawing/2014/main" id="{5E94DF7A-5BE6-4EC2-9B0C-940B203A9575}"/>
+          <p:cNvPr id="25" name="TextBox 24">
+            <a:extLst>
+              <a:ext uri="{FF2B5EF4-FFF2-40B4-BE49-F238E27FC236}">
+                <a16:creationId xmlns:a16="http://schemas.microsoft.com/office/drawing/2014/main" id="{B538E485-2916-46C4-8D72-1FB3CC6F2C4F}"/>
               </a:ext>
             </a:extLst>
           </p:cNvPr>
@@ -16368,10 +15841,10 @@
       </p:sp>
       <p:sp>
         <p:nvSpPr>
-          <p:cNvPr id="37" name="Oval 36">
-            <a:extLst>
-              <a:ext uri="{FF2B5EF4-FFF2-40B4-BE49-F238E27FC236}">
-                <a16:creationId xmlns:a16="http://schemas.microsoft.com/office/drawing/2014/main" id="{A960C734-F9DB-4848-9F96-6C38B16643F2}"/>
+          <p:cNvPr id="28" name="Oval 27">
+            <a:extLst>
+              <a:ext uri="{FF2B5EF4-FFF2-40B4-BE49-F238E27FC236}">
+                <a16:creationId xmlns:a16="http://schemas.microsoft.com/office/drawing/2014/main" id="{01D266B8-2DCF-4D4D-94C7-E799B5071E72}"/>
               </a:ext>
             </a:extLst>
           </p:cNvPr>
@@ -16422,10 +15895,10 @@
       </p:sp>
       <p:pic>
         <p:nvPicPr>
-          <p:cNvPr id="38" name="Picture 37">
-            <a:extLst>
-              <a:ext uri="{FF2B5EF4-FFF2-40B4-BE49-F238E27FC236}">
-                <a16:creationId xmlns:a16="http://schemas.microsoft.com/office/drawing/2014/main" id="{D498FB5F-1EF3-4B87-9DE6-C23DB3B84CB8}"/>
+          <p:cNvPr id="30" name="Picture 29">
+            <a:extLst>
+              <a:ext uri="{FF2B5EF4-FFF2-40B4-BE49-F238E27FC236}">
+                <a16:creationId xmlns:a16="http://schemas.microsoft.com/office/drawing/2014/main" id="{5FFEE350-32F3-465F-BDFD-7AC2F1A3F442}"/>
               </a:ext>
             </a:extLst>
           </p:cNvPr>
@@ -16458,7 +15931,7 @@
     </p:spTree>
     <p:extLst>
       <p:ext uri="{BB962C8B-B14F-4D97-AF65-F5344CB8AC3E}">
-        <p14:creationId xmlns:p14="http://schemas.microsoft.com/office/powerpoint/2010/main" val="2806272043"/>
+        <p14:creationId xmlns:p14="http://schemas.microsoft.com/office/powerpoint/2010/main" val="2992334559"/>
       </p:ext>
     </p:extLst>
   </p:cSld>
@@ -16561,10 +16034,10 @@
       </p:sp>
       <p:sp>
         <p:nvSpPr>
-          <p:cNvPr id="3" name="TextBox 2">
-            <a:extLst>
-              <a:ext uri="{FF2B5EF4-FFF2-40B4-BE49-F238E27FC236}">
-                <a16:creationId xmlns:a16="http://schemas.microsoft.com/office/drawing/2014/main" id="{A4250278-09D3-4DAD-B148-50E5F2058A2A}"/>
+          <p:cNvPr id="6" name="TextBox 5">
+            <a:extLst>
+              <a:ext uri="{FF2B5EF4-FFF2-40B4-BE49-F238E27FC236}">
+                <a16:creationId xmlns:a16="http://schemas.microsoft.com/office/drawing/2014/main" id="{7686ED05-9F08-487F-9CA0-56052E0C5D97}"/>
               </a:ext>
             </a:extLst>
           </p:cNvPr>
@@ -16573,8 +16046,799 @@
         </p:nvSpPr>
         <p:spPr>
           <a:xfrm>
-            <a:off x="4315178" y="1195578"/>
-            <a:ext cx="3561643" cy="461665"/>
+            <a:off x="1177853" y="2384350"/>
+            <a:ext cx="7079882" cy="369332"/>
+          </a:xfrm>
+          <a:prstGeom prst="rect">
+            <a:avLst/>
+          </a:prstGeom>
+          <a:noFill/>
+        </p:spPr>
+        <p:txBody>
+          <a:bodyPr wrap="square" rtlCol="0">
+            <a:spAutoFit/>
+          </a:bodyPr>
+          <a:lstStyle/>
+          <a:p>
+            <a:r>
+              <a:rPr lang="en-US" dirty="0"/>
+              <a:t>The cost function is a function, which is associates a cost with a decision</a:t>
+            </a:r>
+          </a:p>
+        </p:txBody>
+      </p:sp>
+      <p:sp>
+        <p:nvSpPr>
+          <p:cNvPr id="14" name="Oval 13">
+            <a:extLst>
+              <a:ext uri="{FF2B5EF4-FFF2-40B4-BE49-F238E27FC236}">
+                <a16:creationId xmlns:a16="http://schemas.microsoft.com/office/drawing/2014/main" id="{1FF2A6B9-FD2D-4FFB-B2B9-2257AAD20C22}"/>
+              </a:ext>
+            </a:extLst>
+          </p:cNvPr>
+          <p:cNvSpPr/>
+          <p:nvPr/>
+        </p:nvSpPr>
+        <p:spPr>
+          <a:xfrm>
+            <a:off x="5036233" y="2919046"/>
+            <a:ext cx="2119533" cy="908274"/>
+          </a:xfrm>
+          <a:prstGeom prst="ellipse">
+            <a:avLst/>
+          </a:prstGeom>
+        </p:spPr>
+        <p:style>
+          <a:lnRef idx="2">
+            <a:schemeClr val="accent1">
+              <a:shade val="50000"/>
+            </a:schemeClr>
+          </a:lnRef>
+          <a:fillRef idx="1">
+            <a:schemeClr val="accent1"/>
+          </a:fillRef>
+          <a:effectRef idx="0">
+            <a:schemeClr val="accent1"/>
+          </a:effectRef>
+          <a:fontRef idx="minor">
+            <a:schemeClr val="lt1"/>
+          </a:fontRef>
+        </p:style>
+        <p:txBody>
+          <a:bodyPr rtlCol="0" anchor="ctr"/>
+          <a:lstStyle/>
+          <a:p>
+            <a:pPr algn="ctr"/>
+            <a:r>
+              <a:rPr lang="en-US" dirty="0"/>
+              <a:t>Map</a:t>
+            </a:r>
+          </a:p>
+        </p:txBody>
+      </p:sp>
+      <p:cxnSp>
+        <p:nvCxnSpPr>
+          <p:cNvPr id="16" name="Straight Arrow Connector 15">
+            <a:extLst>
+              <a:ext uri="{FF2B5EF4-FFF2-40B4-BE49-F238E27FC236}">
+                <a16:creationId xmlns:a16="http://schemas.microsoft.com/office/drawing/2014/main" id="{3FB72702-C04E-4179-BD47-0D2875BEA7FD}"/>
+              </a:ext>
+            </a:extLst>
+          </p:cNvPr>
+          <p:cNvCxnSpPr/>
+          <p:nvPr/>
+        </p:nvCxnSpPr>
+        <p:spPr>
+          <a:xfrm>
+            <a:off x="6096000" y="3981157"/>
+            <a:ext cx="0" cy="998806"/>
+          </a:xfrm>
+          <a:prstGeom prst="straightConnector1">
+            <a:avLst/>
+          </a:prstGeom>
+          <a:ln>
+            <a:tailEnd type="triangle"/>
+          </a:ln>
+        </p:spPr>
+        <p:style>
+          <a:lnRef idx="1">
+            <a:schemeClr val="accent1"/>
+          </a:lnRef>
+          <a:fillRef idx="0">
+            <a:schemeClr val="accent1"/>
+          </a:fillRef>
+          <a:effectRef idx="0">
+            <a:schemeClr val="accent1"/>
+          </a:effectRef>
+          <a:fontRef idx="minor">
+            <a:schemeClr val="tx1"/>
+          </a:fontRef>
+        </p:style>
+      </p:cxnSp>
+      <p:sp>
+        <p:nvSpPr>
+          <p:cNvPr id="17" name="Oval 16">
+            <a:extLst>
+              <a:ext uri="{FF2B5EF4-FFF2-40B4-BE49-F238E27FC236}">
+                <a16:creationId xmlns:a16="http://schemas.microsoft.com/office/drawing/2014/main" id="{A298DFC8-7CC6-481F-B9E1-964FAAB3B781}"/>
+              </a:ext>
+            </a:extLst>
+          </p:cNvPr>
+          <p:cNvSpPr/>
+          <p:nvPr/>
+        </p:nvSpPr>
+        <p:spPr>
+          <a:xfrm>
+            <a:off x="5118295" y="5165150"/>
+            <a:ext cx="1955409" cy="605818"/>
+          </a:xfrm>
+          <a:prstGeom prst="ellipse">
+            <a:avLst/>
+          </a:prstGeom>
+        </p:spPr>
+        <p:style>
+          <a:lnRef idx="2">
+            <a:schemeClr val="accent1">
+              <a:shade val="50000"/>
+            </a:schemeClr>
+          </a:lnRef>
+          <a:fillRef idx="1">
+            <a:schemeClr val="accent1"/>
+          </a:fillRef>
+          <a:effectRef idx="0">
+            <a:schemeClr val="accent1"/>
+          </a:effectRef>
+          <a:fontRef idx="minor">
+            <a:schemeClr val="lt1"/>
+          </a:fontRef>
+        </p:style>
+        <p:txBody>
+          <a:bodyPr rtlCol="0" anchor="ctr"/>
+          <a:lstStyle/>
+          <a:p>
+            <a:pPr algn="ctr"/>
+            <a:r>
+              <a:rPr lang="en-US" dirty="0"/>
+              <a:t>Dhanmondi</a:t>
+            </a:r>
+          </a:p>
+        </p:txBody>
+      </p:sp>
+      <p:sp>
+        <p:nvSpPr>
+          <p:cNvPr id="18" name="Oval 17">
+            <a:extLst>
+              <a:ext uri="{FF2B5EF4-FFF2-40B4-BE49-F238E27FC236}">
+                <a16:creationId xmlns:a16="http://schemas.microsoft.com/office/drawing/2014/main" id="{83E50218-19BD-4FDC-BD15-63FB16DA61EC}"/>
+              </a:ext>
+            </a:extLst>
+          </p:cNvPr>
+          <p:cNvSpPr/>
+          <p:nvPr/>
+        </p:nvSpPr>
+        <p:spPr>
+          <a:xfrm>
+            <a:off x="3080824" y="5165150"/>
+            <a:ext cx="1955409" cy="605818"/>
+          </a:xfrm>
+          <a:prstGeom prst="ellipse">
+            <a:avLst/>
+          </a:prstGeom>
+        </p:spPr>
+        <p:style>
+          <a:lnRef idx="2">
+            <a:schemeClr val="accent1">
+              <a:shade val="50000"/>
+            </a:schemeClr>
+          </a:lnRef>
+          <a:fillRef idx="1">
+            <a:schemeClr val="accent1"/>
+          </a:fillRef>
+          <a:effectRef idx="0">
+            <a:schemeClr val="accent1"/>
+          </a:effectRef>
+          <a:fontRef idx="minor">
+            <a:schemeClr val="lt1"/>
+          </a:fontRef>
+        </p:style>
+        <p:txBody>
+          <a:bodyPr rtlCol="0" anchor="ctr"/>
+          <a:lstStyle/>
+          <a:p>
+            <a:pPr algn="ctr"/>
+            <a:r>
+              <a:rPr lang="en-US" dirty="0"/>
+              <a:t>Dhanmondi</a:t>
+            </a:r>
+          </a:p>
+        </p:txBody>
+      </p:sp>
+      <p:sp>
+        <p:nvSpPr>
+          <p:cNvPr id="19" name="Oval 18">
+            <a:extLst>
+              <a:ext uri="{FF2B5EF4-FFF2-40B4-BE49-F238E27FC236}">
+                <a16:creationId xmlns:a16="http://schemas.microsoft.com/office/drawing/2014/main" id="{757EDAEB-9F3A-4991-BC7C-B0EE0FADD5E6}"/>
+              </a:ext>
+            </a:extLst>
+          </p:cNvPr>
+          <p:cNvSpPr/>
+          <p:nvPr/>
+        </p:nvSpPr>
+        <p:spPr>
+          <a:xfrm>
+            <a:off x="7155766" y="5060096"/>
+            <a:ext cx="1955409" cy="605818"/>
+          </a:xfrm>
+          <a:prstGeom prst="ellipse">
+            <a:avLst/>
+          </a:prstGeom>
+        </p:spPr>
+        <p:style>
+          <a:lnRef idx="2">
+            <a:schemeClr val="accent1">
+              <a:shade val="50000"/>
+            </a:schemeClr>
+          </a:lnRef>
+          <a:fillRef idx="1">
+            <a:schemeClr val="accent1"/>
+          </a:fillRef>
+          <a:effectRef idx="0">
+            <a:schemeClr val="accent1"/>
+          </a:effectRef>
+          <a:fontRef idx="minor">
+            <a:schemeClr val="lt1"/>
+          </a:fontRef>
+        </p:style>
+        <p:txBody>
+          <a:bodyPr rtlCol="0" anchor="ctr"/>
+          <a:lstStyle/>
+          <a:p>
+            <a:pPr algn="ctr"/>
+            <a:r>
+              <a:rPr lang="en-US" dirty="0"/>
+              <a:t>Dhanmondi</a:t>
+            </a:r>
+          </a:p>
+        </p:txBody>
+      </p:sp>
+      <p:sp>
+        <p:nvSpPr>
+          <p:cNvPr id="20" name="Oval 19">
+            <a:extLst>
+              <a:ext uri="{FF2B5EF4-FFF2-40B4-BE49-F238E27FC236}">
+                <a16:creationId xmlns:a16="http://schemas.microsoft.com/office/drawing/2014/main" id="{92DF3B39-714E-4234-B23E-F7711FFAD876}"/>
+              </a:ext>
+            </a:extLst>
+          </p:cNvPr>
+          <p:cNvSpPr/>
+          <p:nvPr/>
+        </p:nvSpPr>
+        <p:spPr>
+          <a:xfrm>
+            <a:off x="1043353" y="5203987"/>
+            <a:ext cx="1955409" cy="605818"/>
+          </a:xfrm>
+          <a:prstGeom prst="ellipse">
+            <a:avLst/>
+          </a:prstGeom>
+        </p:spPr>
+        <p:style>
+          <a:lnRef idx="2">
+            <a:schemeClr val="accent1">
+              <a:shade val="50000"/>
+            </a:schemeClr>
+          </a:lnRef>
+          <a:fillRef idx="1">
+            <a:schemeClr val="accent1"/>
+          </a:fillRef>
+          <a:effectRef idx="0">
+            <a:schemeClr val="accent1"/>
+          </a:effectRef>
+          <a:fontRef idx="minor">
+            <a:schemeClr val="lt1"/>
+          </a:fontRef>
+        </p:style>
+        <p:txBody>
+          <a:bodyPr rtlCol="0" anchor="ctr"/>
+          <a:lstStyle/>
+          <a:p>
+            <a:pPr algn="ctr"/>
+            <a:r>
+              <a:rPr lang="en-US" dirty="0"/>
+              <a:t>Dhanmondi</a:t>
+            </a:r>
+          </a:p>
+        </p:txBody>
+      </p:sp>
+      <p:sp>
+        <p:nvSpPr>
+          <p:cNvPr id="21" name="Oval 20">
+            <a:extLst>
+              <a:ext uri="{FF2B5EF4-FFF2-40B4-BE49-F238E27FC236}">
+                <a16:creationId xmlns:a16="http://schemas.microsoft.com/office/drawing/2014/main" id="{74329739-021B-40DD-A603-493188368D2F}"/>
+              </a:ext>
+            </a:extLst>
+          </p:cNvPr>
+          <p:cNvSpPr/>
+          <p:nvPr/>
+        </p:nvSpPr>
+        <p:spPr>
+          <a:xfrm>
+            <a:off x="9376117" y="5053516"/>
+            <a:ext cx="1955409" cy="605818"/>
+          </a:xfrm>
+          <a:prstGeom prst="ellipse">
+            <a:avLst/>
+          </a:prstGeom>
+        </p:spPr>
+        <p:style>
+          <a:lnRef idx="2">
+            <a:schemeClr val="accent1">
+              <a:shade val="50000"/>
+            </a:schemeClr>
+          </a:lnRef>
+          <a:fillRef idx="1">
+            <a:schemeClr val="accent1"/>
+          </a:fillRef>
+          <a:effectRef idx="0">
+            <a:schemeClr val="accent1"/>
+          </a:effectRef>
+          <a:fontRef idx="minor">
+            <a:schemeClr val="lt1"/>
+          </a:fontRef>
+        </p:style>
+        <p:txBody>
+          <a:bodyPr rtlCol="0" anchor="ctr"/>
+          <a:lstStyle/>
+          <a:p>
+            <a:pPr algn="ctr"/>
+            <a:r>
+              <a:rPr lang="en-US" dirty="0"/>
+              <a:t>Dhanmondi</a:t>
+            </a:r>
+          </a:p>
+        </p:txBody>
+      </p:sp>
+      <p:cxnSp>
+        <p:nvCxnSpPr>
+          <p:cNvPr id="23" name="Straight Arrow Connector 22">
+            <a:extLst>
+              <a:ext uri="{FF2B5EF4-FFF2-40B4-BE49-F238E27FC236}">
+                <a16:creationId xmlns:a16="http://schemas.microsoft.com/office/drawing/2014/main" id="{63B429B0-3A21-48AA-BA41-BDD838F49059}"/>
+              </a:ext>
+            </a:extLst>
+          </p:cNvPr>
+          <p:cNvCxnSpPr>
+            <a:cxnSpLocks/>
+          </p:cNvCxnSpPr>
+          <p:nvPr/>
+        </p:nvCxnSpPr>
+        <p:spPr>
+          <a:xfrm flipH="1">
+            <a:off x="4360986" y="3893742"/>
+            <a:ext cx="1138310" cy="1159774"/>
+          </a:xfrm>
+          <a:prstGeom prst="straightConnector1">
+            <a:avLst/>
+          </a:prstGeom>
+          <a:ln>
+            <a:tailEnd type="triangle"/>
+          </a:ln>
+        </p:spPr>
+        <p:style>
+          <a:lnRef idx="1">
+            <a:schemeClr val="accent1"/>
+          </a:lnRef>
+          <a:fillRef idx="0">
+            <a:schemeClr val="accent1"/>
+          </a:fillRef>
+          <a:effectRef idx="0">
+            <a:schemeClr val="accent1"/>
+          </a:effectRef>
+          <a:fontRef idx="minor">
+            <a:schemeClr val="tx1"/>
+          </a:fontRef>
+        </p:style>
+      </p:cxnSp>
+      <p:cxnSp>
+        <p:nvCxnSpPr>
+          <p:cNvPr id="24" name="Straight Arrow Connector 23">
+            <a:extLst>
+              <a:ext uri="{FF2B5EF4-FFF2-40B4-BE49-F238E27FC236}">
+                <a16:creationId xmlns:a16="http://schemas.microsoft.com/office/drawing/2014/main" id="{79F3AC97-08EF-4833-8862-EA596FD430E3}"/>
+              </a:ext>
+            </a:extLst>
+          </p:cNvPr>
+          <p:cNvCxnSpPr>
+            <a:cxnSpLocks/>
+          </p:cNvCxnSpPr>
+          <p:nvPr/>
+        </p:nvCxnSpPr>
+        <p:spPr>
+          <a:xfrm flipH="1">
+            <a:off x="2658795" y="3655758"/>
+            <a:ext cx="2377439" cy="1509392"/>
+          </a:xfrm>
+          <a:prstGeom prst="straightConnector1">
+            <a:avLst/>
+          </a:prstGeom>
+          <a:ln>
+            <a:tailEnd type="triangle"/>
+          </a:ln>
+        </p:spPr>
+        <p:style>
+          <a:lnRef idx="1">
+            <a:schemeClr val="accent1"/>
+          </a:lnRef>
+          <a:fillRef idx="0">
+            <a:schemeClr val="accent1"/>
+          </a:fillRef>
+          <a:effectRef idx="0">
+            <a:schemeClr val="accent1"/>
+          </a:effectRef>
+          <a:fontRef idx="minor">
+            <a:schemeClr val="tx1"/>
+          </a:fontRef>
+        </p:style>
+      </p:cxnSp>
+      <p:cxnSp>
+        <p:nvCxnSpPr>
+          <p:cNvPr id="27" name="Straight Arrow Connector 26">
+            <a:extLst>
+              <a:ext uri="{FF2B5EF4-FFF2-40B4-BE49-F238E27FC236}">
+                <a16:creationId xmlns:a16="http://schemas.microsoft.com/office/drawing/2014/main" id="{4E384C85-4CC1-49CC-B42F-4F897DFE88CE}"/>
+              </a:ext>
+            </a:extLst>
+          </p:cNvPr>
+          <p:cNvCxnSpPr>
+            <a:cxnSpLocks/>
+          </p:cNvCxnSpPr>
+          <p:nvPr/>
+        </p:nvCxnSpPr>
+        <p:spPr>
+          <a:xfrm>
+            <a:off x="6991643" y="3785377"/>
+            <a:ext cx="2847536" cy="1194586"/>
+          </a:xfrm>
+          <a:prstGeom prst="straightConnector1">
+            <a:avLst/>
+          </a:prstGeom>
+          <a:ln>
+            <a:tailEnd type="triangle"/>
+          </a:ln>
+        </p:spPr>
+        <p:style>
+          <a:lnRef idx="1">
+            <a:schemeClr val="accent1"/>
+          </a:lnRef>
+          <a:fillRef idx="0">
+            <a:schemeClr val="accent1"/>
+          </a:fillRef>
+          <a:effectRef idx="0">
+            <a:schemeClr val="accent1"/>
+          </a:effectRef>
+          <a:fontRef idx="minor">
+            <a:schemeClr val="tx1"/>
+          </a:fontRef>
+        </p:style>
+      </p:cxnSp>
+      <p:cxnSp>
+        <p:nvCxnSpPr>
+          <p:cNvPr id="29" name="Straight Arrow Connector 28">
+            <a:extLst>
+              <a:ext uri="{FF2B5EF4-FFF2-40B4-BE49-F238E27FC236}">
+                <a16:creationId xmlns:a16="http://schemas.microsoft.com/office/drawing/2014/main" id="{7D5A0F5C-E026-4BC2-AE62-2A1E856A76AF}"/>
+              </a:ext>
+            </a:extLst>
+          </p:cNvPr>
+          <p:cNvCxnSpPr>
+            <a:cxnSpLocks/>
+          </p:cNvCxnSpPr>
+          <p:nvPr/>
+        </p:nvCxnSpPr>
+        <p:spPr>
+          <a:xfrm>
+            <a:off x="6467621" y="3938954"/>
+            <a:ext cx="1151207" cy="1041009"/>
+          </a:xfrm>
+          <a:prstGeom prst="straightConnector1">
+            <a:avLst/>
+          </a:prstGeom>
+          <a:ln>
+            <a:tailEnd type="triangle"/>
+          </a:ln>
+        </p:spPr>
+        <p:style>
+          <a:lnRef idx="1">
+            <a:schemeClr val="accent1"/>
+          </a:lnRef>
+          <a:fillRef idx="0">
+            <a:schemeClr val="accent1"/>
+          </a:fillRef>
+          <a:effectRef idx="0">
+            <a:schemeClr val="accent1"/>
+          </a:effectRef>
+          <a:fontRef idx="minor">
+            <a:schemeClr val="tx1"/>
+          </a:fontRef>
+        </p:style>
+      </p:cxnSp>
+      <p:sp>
+        <p:nvSpPr>
+          <p:cNvPr id="31" name="TextBox 30">
+            <a:extLst>
+              <a:ext uri="{FF2B5EF4-FFF2-40B4-BE49-F238E27FC236}">
+                <a16:creationId xmlns:a16="http://schemas.microsoft.com/office/drawing/2014/main" id="{D121906B-600D-4975-87B7-CA069F4E9A16}"/>
+              </a:ext>
+            </a:extLst>
+          </p:cNvPr>
+          <p:cNvSpPr txBox="1"/>
+          <p:nvPr/>
+        </p:nvSpPr>
+        <p:spPr>
+          <a:xfrm>
+            <a:off x="3038622" y="3875979"/>
+            <a:ext cx="987086" cy="369332"/>
+          </a:xfrm>
+          <a:prstGeom prst="rect">
+            <a:avLst/>
+          </a:prstGeom>
+          <a:noFill/>
+        </p:spPr>
+        <p:txBody>
+          <a:bodyPr wrap="square" rtlCol="0">
+            <a:spAutoFit/>
+          </a:bodyPr>
+          <a:lstStyle/>
+          <a:p>
+            <a:r>
+              <a:rPr lang="en-US" dirty="0"/>
+              <a:t>50 min</a:t>
+            </a:r>
+          </a:p>
+        </p:txBody>
+      </p:sp>
+      <p:sp>
+        <p:nvSpPr>
+          <p:cNvPr id="32" name="TextBox 31">
+            <a:extLst>
+              <a:ext uri="{FF2B5EF4-FFF2-40B4-BE49-F238E27FC236}">
+                <a16:creationId xmlns:a16="http://schemas.microsoft.com/office/drawing/2014/main" id="{75360B60-F328-40C1-A318-6531FF60F8AF}"/>
+              </a:ext>
+            </a:extLst>
+          </p:cNvPr>
+          <p:cNvSpPr txBox="1"/>
+          <p:nvPr/>
+        </p:nvSpPr>
+        <p:spPr>
+          <a:xfrm>
+            <a:off x="7099496" y="4225788"/>
+            <a:ext cx="987086" cy="369332"/>
+          </a:xfrm>
+          <a:prstGeom prst="rect">
+            <a:avLst/>
+          </a:prstGeom>
+          <a:noFill/>
+        </p:spPr>
+        <p:txBody>
+          <a:bodyPr wrap="square" rtlCol="0">
+            <a:spAutoFit/>
+          </a:bodyPr>
+          <a:lstStyle/>
+          <a:p>
+            <a:r>
+              <a:rPr lang="en-US" dirty="0"/>
+              <a:t>40 min</a:t>
+            </a:r>
+          </a:p>
+        </p:txBody>
+      </p:sp>
+      <p:sp>
+        <p:nvSpPr>
+          <p:cNvPr id="33" name="TextBox 32">
+            <a:extLst>
+              <a:ext uri="{FF2B5EF4-FFF2-40B4-BE49-F238E27FC236}">
+                <a16:creationId xmlns:a16="http://schemas.microsoft.com/office/drawing/2014/main" id="{BF440600-BA6A-4026-A92B-9F9A55E547A3}"/>
+              </a:ext>
+            </a:extLst>
+          </p:cNvPr>
+          <p:cNvSpPr txBox="1"/>
+          <p:nvPr/>
+        </p:nvSpPr>
+        <p:spPr>
+          <a:xfrm>
+            <a:off x="8142850" y="3875979"/>
+            <a:ext cx="987086" cy="369332"/>
+          </a:xfrm>
+          <a:prstGeom prst="rect">
+            <a:avLst/>
+          </a:prstGeom>
+          <a:noFill/>
+        </p:spPr>
+        <p:txBody>
+          <a:bodyPr wrap="square" rtlCol="0">
+            <a:spAutoFit/>
+          </a:bodyPr>
+          <a:lstStyle/>
+          <a:p>
+            <a:r>
+              <a:rPr lang="en-US" dirty="0"/>
+              <a:t>55 min</a:t>
+            </a:r>
+          </a:p>
+        </p:txBody>
+      </p:sp>
+      <p:sp>
+        <p:nvSpPr>
+          <p:cNvPr id="34" name="TextBox 33">
+            <a:extLst>
+              <a:ext uri="{FF2B5EF4-FFF2-40B4-BE49-F238E27FC236}">
+                <a16:creationId xmlns:a16="http://schemas.microsoft.com/office/drawing/2014/main" id="{07C32F6D-4C13-428F-A548-DF48B7E56597}"/>
+              </a:ext>
+            </a:extLst>
+          </p:cNvPr>
+          <p:cNvSpPr txBox="1"/>
+          <p:nvPr/>
+        </p:nvSpPr>
+        <p:spPr>
+          <a:xfrm>
+            <a:off x="4171070" y="4137215"/>
+            <a:ext cx="947226" cy="369332"/>
+          </a:xfrm>
+          <a:prstGeom prst="rect">
+            <a:avLst/>
+          </a:prstGeom>
+          <a:noFill/>
+        </p:spPr>
+        <p:txBody>
+          <a:bodyPr wrap="square" rtlCol="0">
+            <a:spAutoFit/>
+          </a:bodyPr>
+          <a:lstStyle/>
+          <a:p>
+            <a:r>
+              <a:rPr lang="en-US" dirty="0"/>
+              <a:t>30 min</a:t>
+            </a:r>
+          </a:p>
+        </p:txBody>
+      </p:sp>
+      <p:sp>
+        <p:nvSpPr>
+          <p:cNvPr id="35" name="TextBox 34">
+            <a:extLst>
+              <a:ext uri="{FF2B5EF4-FFF2-40B4-BE49-F238E27FC236}">
+                <a16:creationId xmlns:a16="http://schemas.microsoft.com/office/drawing/2014/main" id="{6DB6307E-5B63-446F-810F-0EA3819FFA09}"/>
+              </a:ext>
+            </a:extLst>
+          </p:cNvPr>
+          <p:cNvSpPr txBox="1"/>
+          <p:nvPr/>
+        </p:nvSpPr>
+        <p:spPr>
+          <a:xfrm>
+            <a:off x="5195669" y="4321881"/>
+            <a:ext cx="987086" cy="369332"/>
+          </a:xfrm>
+          <a:prstGeom prst="rect">
+            <a:avLst/>
+          </a:prstGeom>
+          <a:noFill/>
+        </p:spPr>
+        <p:txBody>
+          <a:bodyPr wrap="square" rtlCol="0">
+            <a:spAutoFit/>
+          </a:bodyPr>
+          <a:lstStyle/>
+          <a:p>
+            <a:r>
+              <a:rPr lang="en-US" dirty="0">
+                <a:solidFill>
+                  <a:srgbClr val="FF0000"/>
+                </a:solidFill>
+              </a:rPr>
+              <a:t>20 min</a:t>
+            </a:r>
+          </a:p>
+        </p:txBody>
+      </p:sp>
+      <p:sp>
+        <p:nvSpPr>
+          <p:cNvPr id="25" name="TextBox 24">
+            <a:extLst>
+              <a:ext uri="{FF2B5EF4-FFF2-40B4-BE49-F238E27FC236}">
+                <a16:creationId xmlns:a16="http://schemas.microsoft.com/office/drawing/2014/main" id="{B27BA591-E6EB-4899-8222-C6E081473B54}"/>
+              </a:ext>
+            </a:extLst>
+          </p:cNvPr>
+          <p:cNvSpPr txBox="1"/>
+          <p:nvPr/>
+        </p:nvSpPr>
+        <p:spPr>
+          <a:xfrm>
+            <a:off x="8415411" y="3082788"/>
+            <a:ext cx="2119532" cy="400110"/>
+          </a:xfrm>
+          <a:prstGeom prst="rect">
+            <a:avLst/>
+          </a:prstGeom>
+          <a:noFill/>
+        </p:spPr>
+        <p:txBody>
+          <a:bodyPr wrap="square" rtlCol="0">
+            <a:spAutoFit/>
+          </a:bodyPr>
+          <a:lstStyle/>
+          <a:p>
+            <a:r>
+              <a:rPr lang="en-US" sz="2000" dirty="0">
+                <a:solidFill>
+                  <a:srgbClr val="FF0000"/>
+                </a:solidFill>
+              </a:rPr>
+              <a:t>Cost Function</a:t>
+            </a:r>
+          </a:p>
+        </p:txBody>
+      </p:sp>
+      <p:cxnSp>
+        <p:nvCxnSpPr>
+          <p:cNvPr id="28" name="Straight Arrow Connector 27">
+            <a:extLst>
+              <a:ext uri="{FF2B5EF4-FFF2-40B4-BE49-F238E27FC236}">
+                <a16:creationId xmlns:a16="http://schemas.microsoft.com/office/drawing/2014/main" id="{EACF06BA-5692-4833-A5D7-58EF14BE46E2}"/>
+              </a:ext>
+            </a:extLst>
+          </p:cNvPr>
+          <p:cNvCxnSpPr>
+            <a:cxnSpLocks/>
+          </p:cNvCxnSpPr>
+          <p:nvPr/>
+        </p:nvCxnSpPr>
+        <p:spPr>
+          <a:xfrm>
+            <a:off x="7240174" y="3311390"/>
+            <a:ext cx="1101969" cy="0"/>
+          </a:xfrm>
+          <a:prstGeom prst="straightConnector1">
+            <a:avLst/>
+          </a:prstGeom>
+          <a:ln>
+            <a:tailEnd type="triangle"/>
+          </a:ln>
+        </p:spPr>
+        <p:style>
+          <a:lnRef idx="1">
+            <a:schemeClr val="accent1"/>
+          </a:lnRef>
+          <a:fillRef idx="0">
+            <a:schemeClr val="accent1"/>
+          </a:fillRef>
+          <a:effectRef idx="0">
+            <a:schemeClr val="accent1"/>
+          </a:effectRef>
+          <a:fontRef idx="minor">
+            <a:schemeClr val="tx1"/>
+          </a:fontRef>
+        </p:style>
+      </p:cxnSp>
+      <p:sp>
+        <p:nvSpPr>
+          <p:cNvPr id="30" name="TextBox 29">
+            <a:extLst>
+              <a:ext uri="{FF2B5EF4-FFF2-40B4-BE49-F238E27FC236}">
+                <a16:creationId xmlns:a16="http://schemas.microsoft.com/office/drawing/2014/main" id="{027BE830-168F-46B5-BE5E-F8C9BD72C49A}"/>
+              </a:ext>
+            </a:extLst>
+          </p:cNvPr>
+          <p:cNvSpPr txBox="1"/>
+          <p:nvPr/>
+        </p:nvSpPr>
+        <p:spPr>
+          <a:xfrm>
+            <a:off x="4923693" y="1389941"/>
+            <a:ext cx="3043310" cy="461665"/>
           </a:xfrm>
           <a:prstGeom prst="rect">
             <a:avLst/>
@@ -16594,207 +16858,17 @@
                 </a:solidFill>
                 <a:latin typeface="Segoe Print" panose="02000600000000000000" pitchFamily="2" charset="0"/>
               </a:rPr>
-              <a:t>Loss &amp; Cost Function</a:t>
-            </a:r>
-          </a:p>
-        </p:txBody>
-      </p:sp>
-      <p:sp>
-        <p:nvSpPr>
-          <p:cNvPr id="6" name="TextBox 5">
-            <a:extLst>
-              <a:ext uri="{FF2B5EF4-FFF2-40B4-BE49-F238E27FC236}">
-                <a16:creationId xmlns:a16="http://schemas.microsoft.com/office/drawing/2014/main" id="{7686ED05-9F08-487F-9CA0-56052E0C5D97}"/>
-              </a:ext>
-            </a:extLst>
-          </p:cNvPr>
-          <p:cNvSpPr txBox="1"/>
-          <p:nvPr/>
-        </p:nvSpPr>
-        <p:spPr>
-          <a:xfrm>
-            <a:off x="1121019" y="1899139"/>
-            <a:ext cx="10295522" cy="923330"/>
-          </a:xfrm>
-          <a:prstGeom prst="rect">
-            <a:avLst/>
-          </a:prstGeom>
-          <a:noFill/>
-        </p:spPr>
-        <p:txBody>
-          <a:bodyPr wrap="square" rtlCol="0">
-            <a:spAutoFit/>
-          </a:bodyPr>
-          <a:lstStyle/>
-          <a:p>
-            <a:r>
-              <a:rPr lang="en-US" dirty="0"/>
-              <a:t>A loss function is for a single training example. It is also sometimes called an error function. A cost function, on the other hand, is the average loss over the entire training dataset. The optimization strategies aim at minimizing the cost function</a:t>
-            </a:r>
-          </a:p>
-        </p:txBody>
-      </p:sp>
-      <p:sp>
-        <p:nvSpPr>
-          <p:cNvPr id="14" name="TextBox 13">
-            <a:extLst>
-              <a:ext uri="{FF2B5EF4-FFF2-40B4-BE49-F238E27FC236}">
-                <a16:creationId xmlns:a16="http://schemas.microsoft.com/office/drawing/2014/main" id="{8F0551E4-4D7E-431D-A07C-7CE6F8FADE9D}"/>
-              </a:ext>
-            </a:extLst>
-          </p:cNvPr>
-          <p:cNvSpPr txBox="1"/>
-          <p:nvPr/>
-        </p:nvSpPr>
-        <p:spPr>
-          <a:xfrm>
-            <a:off x="1463039" y="3339401"/>
-            <a:ext cx="4000593" cy="1508105"/>
-          </a:xfrm>
-          <a:prstGeom prst="rect">
-            <a:avLst/>
-          </a:prstGeom>
-          <a:noFill/>
-        </p:spPr>
-        <p:txBody>
-          <a:bodyPr wrap="square" rtlCol="0">
-            <a:spAutoFit/>
-          </a:bodyPr>
-          <a:lstStyle/>
-          <a:p>
-            <a:r>
-              <a:rPr lang="en-US" b="1" dirty="0"/>
-              <a:t>Predicted Price (Y) </a:t>
-            </a:r>
-            <a:r>
-              <a:rPr lang="en-US" dirty="0"/>
-              <a:t>= m * </a:t>
-            </a:r>
-            <a:r>
-              <a:rPr lang="en-US" dirty="0">
-                <a:solidFill>
-                  <a:srgbClr val="FF0000"/>
-                </a:solidFill>
-              </a:rPr>
-              <a:t>area</a:t>
-            </a:r>
-            <a:r>
-              <a:rPr lang="en-US" dirty="0"/>
-              <a:t> + c</a:t>
-            </a:r>
-          </a:p>
-          <a:p>
-            <a:endParaRPr lang="en-US" dirty="0"/>
-          </a:p>
-          <a:p>
-            <a:r>
-              <a:rPr lang="en-US" sz="2000" b="1" dirty="0"/>
-              <a:t>L1 Loss </a:t>
-            </a:r>
-            <a:r>
-              <a:rPr lang="en-US" dirty="0">
-                <a:solidFill>
-                  <a:srgbClr val="FF0000"/>
-                </a:solidFill>
-              </a:rPr>
-              <a:t>(error) </a:t>
-            </a:r>
-            <a:r>
-              <a:rPr lang="en-US" dirty="0"/>
-              <a:t>=  1/n | (yi – y^) |</a:t>
-            </a:r>
-          </a:p>
-          <a:p>
-            <a:r>
-              <a:rPr lang="en-US" dirty="0"/>
-              <a:t>Yi = Area for each row</a:t>
-            </a:r>
-          </a:p>
-          <a:p>
-            <a:r>
-              <a:rPr lang="en-US" dirty="0"/>
-              <a:t>Y^ = Predicted Value </a:t>
-            </a:r>
-          </a:p>
-        </p:txBody>
-      </p:sp>
-      <p:pic>
-        <p:nvPicPr>
-          <p:cNvPr id="15" name="Picture 14">
-            <a:extLst>
-              <a:ext uri="{FF2B5EF4-FFF2-40B4-BE49-F238E27FC236}">
-                <a16:creationId xmlns:a16="http://schemas.microsoft.com/office/drawing/2014/main" id="{6233118B-2DC0-48C7-B5CE-5FF560EDF41E}"/>
-              </a:ext>
-            </a:extLst>
-          </p:cNvPr>
-          <p:cNvPicPr>
-            <a:picLocks noChangeAspect="1"/>
-          </p:cNvPicPr>
-          <p:nvPr/>
-        </p:nvPicPr>
-        <p:blipFill rotWithShape="1">
-          <a:blip r:embed="rId2">
-            <a:extLst>
-              <a:ext uri="{28A0092B-C50C-407E-A947-70E740481C1C}">
-                <a14:useLocalDpi xmlns:a14="http://schemas.microsoft.com/office/drawing/2010/main" val="0"/>
-              </a:ext>
-            </a:extLst>
-          </a:blip>
-          <a:srcRect l="18846" r="19211" b="53419"/>
-          <a:stretch/>
-        </p:blipFill>
-        <p:spPr>
-          <a:xfrm>
-            <a:off x="1233620" y="5023289"/>
-            <a:ext cx="2986688" cy="1110495"/>
-          </a:xfrm>
-          <a:prstGeom prst="rect">
-            <a:avLst/>
-          </a:prstGeom>
-        </p:spPr>
-      </p:pic>
-      <p:pic>
-        <p:nvPicPr>
-          <p:cNvPr id="9" name="Picture 8">
-            <a:extLst>
-              <a:ext uri="{FF2B5EF4-FFF2-40B4-BE49-F238E27FC236}">
-                <a16:creationId xmlns:a16="http://schemas.microsoft.com/office/drawing/2014/main" id="{BC6E853C-0DDB-4789-A8FA-CC3831FC911B}"/>
-              </a:ext>
-            </a:extLst>
-          </p:cNvPr>
-          <p:cNvPicPr>
-            <a:picLocks noChangeAspect="1"/>
-          </p:cNvPicPr>
-          <p:nvPr/>
-        </p:nvPicPr>
-        <p:blipFill>
-          <a:blip r:embed="rId3">
-            <a:extLst>
-              <a:ext uri="{28A0092B-C50C-407E-A947-70E740481C1C}">
-                <a14:useLocalDpi xmlns:a14="http://schemas.microsoft.com/office/drawing/2010/main" val="0"/>
-              </a:ext>
-            </a:extLst>
-          </a:blip>
-          <a:stretch>
-            <a:fillRect/>
-          </a:stretch>
-        </p:blipFill>
-        <p:spPr>
-          <a:xfrm>
-            <a:off x="6728368" y="2822469"/>
-            <a:ext cx="4511718" cy="3821254"/>
-          </a:xfrm>
-          <a:prstGeom prst="rect">
-            <a:avLst/>
-          </a:prstGeom>
-        </p:spPr>
-      </p:pic>
-      <p:sp>
-        <p:nvSpPr>
-          <p:cNvPr id="13" name="TextBox 12">
-            <a:extLst>
-              <a:ext uri="{FF2B5EF4-FFF2-40B4-BE49-F238E27FC236}">
-                <a16:creationId xmlns:a16="http://schemas.microsoft.com/office/drawing/2014/main" id="{9F782ED7-8793-4319-8DB1-ABC0472C5BD0}"/>
+              <a:t>Cost Function</a:t>
+            </a:r>
+          </a:p>
+        </p:txBody>
+      </p:sp>
+      <p:sp>
+        <p:nvSpPr>
+          <p:cNvPr id="36" name="TextBox 35">
+            <a:extLst>
+              <a:ext uri="{FF2B5EF4-FFF2-40B4-BE49-F238E27FC236}">
+                <a16:creationId xmlns:a16="http://schemas.microsoft.com/office/drawing/2014/main" id="{5E94DF7A-5BE6-4EC2-9B0C-940B203A9575}"/>
               </a:ext>
             </a:extLst>
           </p:cNvPr>
@@ -16831,10 +16905,10 @@
       </p:sp>
       <p:sp>
         <p:nvSpPr>
-          <p:cNvPr id="16" name="Oval 15">
-            <a:extLst>
-              <a:ext uri="{FF2B5EF4-FFF2-40B4-BE49-F238E27FC236}">
-                <a16:creationId xmlns:a16="http://schemas.microsoft.com/office/drawing/2014/main" id="{A42DABD9-6FC4-4EA7-84B9-B3804E67BAAE}"/>
+          <p:cNvPr id="37" name="Oval 36">
+            <a:extLst>
+              <a:ext uri="{FF2B5EF4-FFF2-40B4-BE49-F238E27FC236}">
+                <a16:creationId xmlns:a16="http://schemas.microsoft.com/office/drawing/2014/main" id="{A960C734-F9DB-4848-9F96-6C38B16643F2}"/>
               </a:ext>
             </a:extLst>
           </p:cNvPr>
@@ -16885,10 +16959,10 @@
       </p:sp>
       <p:pic>
         <p:nvPicPr>
-          <p:cNvPr id="17" name="Picture 16">
-            <a:extLst>
-              <a:ext uri="{FF2B5EF4-FFF2-40B4-BE49-F238E27FC236}">
-                <a16:creationId xmlns:a16="http://schemas.microsoft.com/office/drawing/2014/main" id="{0212E2E8-9B12-4CB3-836D-9F54F2EDC3FD}"/>
+          <p:cNvPr id="38" name="Picture 37">
+            <a:extLst>
+              <a:ext uri="{FF2B5EF4-FFF2-40B4-BE49-F238E27FC236}">
+                <a16:creationId xmlns:a16="http://schemas.microsoft.com/office/drawing/2014/main" id="{D498FB5F-1EF3-4B87-9DE6-C23DB3B84CB8}"/>
               </a:ext>
             </a:extLst>
           </p:cNvPr>
@@ -16898,7 +16972,7 @@
           <p:nvPr/>
         </p:nvPicPr>
         <p:blipFill rotWithShape="1">
-          <a:blip r:embed="rId4">
+          <a:blip r:embed="rId2">
             <a:extLst>
               <a:ext uri="{28A0092B-C50C-407E-A947-70E740481C1C}">
                 <a14:useLocalDpi xmlns:a14="http://schemas.microsoft.com/office/drawing/2010/main" val="0"/>
@@ -16921,7 +16995,7 @@
     </p:spTree>
     <p:extLst>
       <p:ext uri="{BB962C8B-B14F-4D97-AF65-F5344CB8AC3E}">
-        <p14:creationId xmlns:p14="http://schemas.microsoft.com/office/powerpoint/2010/main" val="542865072"/>
+        <p14:creationId xmlns:p14="http://schemas.microsoft.com/office/powerpoint/2010/main" val="2806272043"/>
       </p:ext>
     </p:extLst>
   </p:cSld>
@@ -17340,8 +17414,8 @@
         </p:nvSpPr>
         <p:spPr>
           <a:xfrm>
-            <a:off x="4811151" y="1389941"/>
-            <a:ext cx="2574387" cy="461665"/>
+            <a:off x="4315178" y="1195578"/>
+            <a:ext cx="3561643" cy="461665"/>
           </a:xfrm>
           <a:prstGeom prst="rect">
             <a:avLst/>
@@ -17361,7 +17435,7 @@
                 </a:solidFill>
                 <a:latin typeface="Segoe Print" panose="02000600000000000000" pitchFamily="2" charset="0"/>
               </a:rPr>
-              <a:t>Cost Function</a:t>
+              <a:t>Loss &amp; Cost Function</a:t>
             </a:r>
           </a:p>
         </p:txBody>
@@ -17380,8 +17454,8 @@
         </p:nvSpPr>
         <p:spPr>
           <a:xfrm>
-            <a:off x="1177853" y="2384350"/>
-            <a:ext cx="10295522" cy="1200329"/>
+            <a:off x="1121019" y="1899139"/>
+            <a:ext cx="10295522" cy="923330"/>
           </a:xfrm>
           <a:prstGeom prst="rect">
             <a:avLst/>
@@ -17396,7 +17470,46 @@
           <a:p>
             <a:r>
               <a:rPr lang="en-US" dirty="0"/>
-              <a:t>The cost function is a function, which is associates a cost with a decision. It indicates the difference between the predicted and the actual values for a given dataset. An ideal value of the cost function is </a:t>
+              <a:t>A loss function is for a single training example. It is also sometimes called an error function. A cost function, on the other hand, is the average loss over the entire training dataset. The optimization strategies aim at minimizing the cost function</a:t>
+            </a:r>
+          </a:p>
+        </p:txBody>
+      </p:sp>
+      <p:sp>
+        <p:nvSpPr>
+          <p:cNvPr id="14" name="TextBox 13">
+            <a:extLst>
+              <a:ext uri="{FF2B5EF4-FFF2-40B4-BE49-F238E27FC236}">
+                <a16:creationId xmlns:a16="http://schemas.microsoft.com/office/drawing/2014/main" id="{8F0551E4-4D7E-431D-A07C-7CE6F8FADE9D}"/>
+              </a:ext>
+            </a:extLst>
+          </p:cNvPr>
+          <p:cNvSpPr txBox="1"/>
+          <p:nvPr/>
+        </p:nvSpPr>
+        <p:spPr>
+          <a:xfrm>
+            <a:off x="1463039" y="3339401"/>
+            <a:ext cx="4000593" cy="1508105"/>
+          </a:xfrm>
+          <a:prstGeom prst="rect">
+            <a:avLst/>
+          </a:prstGeom>
+          <a:noFill/>
+        </p:spPr>
+        <p:txBody>
+          <a:bodyPr wrap="square" rtlCol="0">
+            <a:spAutoFit/>
+          </a:bodyPr>
+          <a:lstStyle/>
+          <a:p>
+            <a:r>
+              <a:rPr lang="en-US" b="1" dirty="0"/>
+              <a:t>Predicted Price (Y) </a:t>
+            </a:r>
+            <a:r>
+              <a:rPr lang="en-US" dirty="0"/>
+              <a:t>= m * </a:t>
             </a:r>
             <a:r>
               <a:rPr lang="en-US" dirty="0">
@@ -17404,21 +17517,54 @@
                   <a:srgbClr val="FF0000"/>
                 </a:solidFill>
               </a:rPr>
-              <a:t>zero</a:t>
+              <a:t>area</a:t>
             </a:r>
             <a:r>
               <a:rPr lang="en-US" dirty="0"/>
-              <a:t>. In regression, the typical cost function (CF) used is the mean squared error (MSE) cost function. The form of the function is shown below.</a:t>
+              <a:t> + c</a:t>
+            </a:r>
+          </a:p>
+          <a:p>
+            <a:endParaRPr lang="en-US" dirty="0"/>
+          </a:p>
+          <a:p>
+            <a:r>
+              <a:rPr lang="en-US" sz="2000" b="1" dirty="0"/>
+              <a:t>L1 Loss </a:t>
+            </a:r>
+            <a:r>
+              <a:rPr lang="en-US" dirty="0">
+                <a:solidFill>
+                  <a:srgbClr val="FF0000"/>
+                </a:solidFill>
+              </a:rPr>
+              <a:t>(error) </a:t>
+            </a:r>
+            <a:r>
+              <a:rPr lang="en-US" dirty="0"/>
+              <a:t>=  1/n | (yi – y^) |</a:t>
+            </a:r>
+          </a:p>
+          <a:p>
+            <a:r>
+              <a:rPr lang="en-US" dirty="0"/>
+              <a:t>Yi = Area for each row</a:t>
+            </a:r>
+          </a:p>
+          <a:p>
+            <a:r>
+              <a:rPr lang="en-US" dirty="0"/>
+              <a:t>Y^ = Predicted Value </a:t>
             </a:r>
           </a:p>
         </p:txBody>
       </p:sp>
       <p:pic>
         <p:nvPicPr>
-          <p:cNvPr id="11" name="Picture 10">
-            <a:extLst>
-              <a:ext uri="{FF2B5EF4-FFF2-40B4-BE49-F238E27FC236}">
-                <a16:creationId xmlns:a16="http://schemas.microsoft.com/office/drawing/2014/main" id="{3B12F0DC-E53E-4936-9E90-F94B39233078}"/>
+          <p:cNvPr id="15" name="Picture 14">
+            <a:extLst>
+              <a:ext uri="{FF2B5EF4-FFF2-40B4-BE49-F238E27FC236}">
+                <a16:creationId xmlns:a16="http://schemas.microsoft.com/office/drawing/2014/main" id="{6233118B-2DC0-48C7-B5CE-5FF560EDF41E}"/>
               </a:ext>
             </a:extLst>
           </p:cNvPr>
@@ -17435,13 +17581,13 @@
               </a:ext>
             </a:extLst>
           </a:blip>
-          <a:srcRect r="19212"/>
+          <a:srcRect l="18846" r="19211" b="53419"/>
           <a:stretch/>
         </p:blipFill>
         <p:spPr>
           <a:xfrm>
-            <a:off x="6536633" y="3584679"/>
-            <a:ext cx="4965894" cy="2753822"/>
+            <a:off x="1233620" y="5023289"/>
+            <a:ext cx="2986688" cy="1110495"/>
           </a:xfrm>
           <a:prstGeom prst="rect">
             <a:avLst/>
@@ -17450,10 +17596,10 @@
       </p:pic>
       <p:pic>
         <p:nvPicPr>
-          <p:cNvPr id="13" name="Picture 12">
-            <a:extLst>
-              <a:ext uri="{FF2B5EF4-FFF2-40B4-BE49-F238E27FC236}">
-                <a16:creationId xmlns:a16="http://schemas.microsoft.com/office/drawing/2014/main" id="{ACEAC43C-FAD7-41BF-B635-992A41ADF19B}"/>
+          <p:cNvPr id="9" name="Picture 8">
+            <a:extLst>
+              <a:ext uri="{FF2B5EF4-FFF2-40B4-BE49-F238E27FC236}">
+                <a16:creationId xmlns:a16="http://schemas.microsoft.com/office/drawing/2014/main" id="{BC6E853C-0DDB-4789-A8FA-CC3831FC911B}"/>
               </a:ext>
             </a:extLst>
           </p:cNvPr>
@@ -17476,8 +17622,8 @@
         </p:blipFill>
         <p:spPr>
           <a:xfrm>
-            <a:off x="1369180" y="3630557"/>
-            <a:ext cx="4848902" cy="2662066"/>
+            <a:off x="6728368" y="2822469"/>
+            <a:ext cx="4511718" cy="3821254"/>
           </a:xfrm>
           <a:prstGeom prst="rect">
             <a:avLst/>
@@ -17486,10 +17632,10 @@
       </p:pic>
       <p:sp>
         <p:nvSpPr>
-          <p:cNvPr id="10" name="TextBox 9">
-            <a:extLst>
-              <a:ext uri="{FF2B5EF4-FFF2-40B4-BE49-F238E27FC236}">
-                <a16:creationId xmlns:a16="http://schemas.microsoft.com/office/drawing/2014/main" id="{8B454EBC-B5A0-4067-8B29-2592D110C5D0}"/>
+          <p:cNvPr id="13" name="TextBox 12">
+            <a:extLst>
+              <a:ext uri="{FF2B5EF4-FFF2-40B4-BE49-F238E27FC236}">
+                <a16:creationId xmlns:a16="http://schemas.microsoft.com/office/drawing/2014/main" id="{9F782ED7-8793-4319-8DB1-ABC0472C5BD0}"/>
               </a:ext>
             </a:extLst>
           </p:cNvPr>
@@ -17526,10 +17672,10 @@
       </p:sp>
       <p:sp>
         <p:nvSpPr>
-          <p:cNvPr id="12" name="Oval 11">
-            <a:extLst>
-              <a:ext uri="{FF2B5EF4-FFF2-40B4-BE49-F238E27FC236}">
-                <a16:creationId xmlns:a16="http://schemas.microsoft.com/office/drawing/2014/main" id="{8737B3E1-557E-476F-BE1C-F4245ADF0FA7}"/>
+          <p:cNvPr id="16" name="Oval 15">
+            <a:extLst>
+              <a:ext uri="{FF2B5EF4-FFF2-40B4-BE49-F238E27FC236}">
+                <a16:creationId xmlns:a16="http://schemas.microsoft.com/office/drawing/2014/main" id="{A42DABD9-6FC4-4EA7-84B9-B3804E67BAAE}"/>
               </a:ext>
             </a:extLst>
           </p:cNvPr>
@@ -17580,10 +17726,10 @@
       </p:sp>
       <p:pic>
         <p:nvPicPr>
-          <p:cNvPr id="14" name="Picture 13">
-            <a:extLst>
-              <a:ext uri="{FF2B5EF4-FFF2-40B4-BE49-F238E27FC236}">
-                <a16:creationId xmlns:a16="http://schemas.microsoft.com/office/drawing/2014/main" id="{9A25C373-32C8-44D3-87CD-CAB0BFFA35E2}"/>
+          <p:cNvPr id="17" name="Picture 16">
+            <a:extLst>
+              <a:ext uri="{FF2B5EF4-FFF2-40B4-BE49-F238E27FC236}">
+                <a16:creationId xmlns:a16="http://schemas.microsoft.com/office/drawing/2014/main" id="{0212E2E8-9B12-4CB3-836D-9F54F2EDC3FD}"/>
               </a:ext>
             </a:extLst>
           </p:cNvPr>
@@ -17616,7 +17762,7 @@
     </p:spTree>
     <p:extLst>
       <p:ext uri="{BB962C8B-B14F-4D97-AF65-F5344CB8AC3E}">
-        <p14:creationId xmlns:p14="http://schemas.microsoft.com/office/powerpoint/2010/main" val="2036169167"/>
+        <p14:creationId xmlns:p14="http://schemas.microsoft.com/office/powerpoint/2010/main" val="542865072"/>
       </p:ext>
     </p:extLst>
   </p:cSld>
@@ -17731,8 +17877,8 @@
         </p:nvSpPr>
         <p:spPr>
           <a:xfrm>
-            <a:off x="3624352" y="1280999"/>
-            <a:ext cx="4900670" cy="646331"/>
+            <a:off x="4811151" y="1389941"/>
+            <a:ext cx="2574387" cy="461665"/>
           </a:xfrm>
           <a:prstGeom prst="rect">
             <a:avLst/>
@@ -17745,31 +17891,142 @@
           </a:bodyPr>
           <a:lstStyle/>
           <a:p>
-            <a:pPr algn="ctr"/>
-            <a:r>
-              <a:rPr lang="en-US" dirty="0">
-                <a:latin typeface="Segoe Print" panose="02000600000000000000" pitchFamily="2" charset="0"/>
-              </a:rPr>
-              <a:t>Minimizing the cost function: Optimizer </a:t>
-            </a:r>
-            <a:r>
-              <a:rPr lang="en-US" dirty="0">
+            <a:r>
+              <a:rPr lang="en-US" sz="2400" dirty="0">
                 <a:solidFill>
                   <a:srgbClr val="FF0000"/>
                 </a:solidFill>
                 <a:latin typeface="Segoe Print" panose="02000600000000000000" pitchFamily="2" charset="0"/>
               </a:rPr>
-              <a:t>Gradient Descent</a:t>
-            </a:r>
-          </a:p>
-        </p:txBody>
-      </p:sp>
-      <p:sp>
-        <p:nvSpPr>
-          <p:cNvPr id="18" name="TextBox 17">
-            <a:extLst>
-              <a:ext uri="{FF2B5EF4-FFF2-40B4-BE49-F238E27FC236}">
-                <a16:creationId xmlns:a16="http://schemas.microsoft.com/office/drawing/2014/main" id="{0944FD31-7FE3-42D3-AECF-D6A04480438C}"/>
+              <a:t>Cost Function</a:t>
+            </a:r>
+          </a:p>
+        </p:txBody>
+      </p:sp>
+      <p:sp>
+        <p:nvSpPr>
+          <p:cNvPr id="6" name="TextBox 5">
+            <a:extLst>
+              <a:ext uri="{FF2B5EF4-FFF2-40B4-BE49-F238E27FC236}">
+                <a16:creationId xmlns:a16="http://schemas.microsoft.com/office/drawing/2014/main" id="{7686ED05-9F08-487F-9CA0-56052E0C5D97}"/>
+              </a:ext>
+            </a:extLst>
+          </p:cNvPr>
+          <p:cNvSpPr txBox="1"/>
+          <p:nvPr/>
+        </p:nvSpPr>
+        <p:spPr>
+          <a:xfrm>
+            <a:off x="1177853" y="2384350"/>
+            <a:ext cx="10295522" cy="1200329"/>
+          </a:xfrm>
+          <a:prstGeom prst="rect">
+            <a:avLst/>
+          </a:prstGeom>
+          <a:noFill/>
+        </p:spPr>
+        <p:txBody>
+          <a:bodyPr wrap="square" rtlCol="0">
+            <a:spAutoFit/>
+          </a:bodyPr>
+          <a:lstStyle/>
+          <a:p>
+            <a:r>
+              <a:rPr lang="en-US" dirty="0"/>
+              <a:t>The cost function is a function, which is associates a cost with a decision. It indicates the difference between the predicted and the actual values for a given dataset. An ideal value of the cost function is </a:t>
+            </a:r>
+            <a:r>
+              <a:rPr lang="en-US" dirty="0">
+                <a:solidFill>
+                  <a:srgbClr val="FF0000"/>
+                </a:solidFill>
+              </a:rPr>
+              <a:t>zero</a:t>
+            </a:r>
+            <a:r>
+              <a:rPr lang="en-US" dirty="0"/>
+              <a:t>. In regression, the typical cost function (CF) used is the mean squared error (MSE) cost function. The form of the function is shown below.</a:t>
+            </a:r>
+          </a:p>
+        </p:txBody>
+      </p:sp>
+      <p:pic>
+        <p:nvPicPr>
+          <p:cNvPr id="11" name="Picture 10">
+            <a:extLst>
+              <a:ext uri="{FF2B5EF4-FFF2-40B4-BE49-F238E27FC236}">
+                <a16:creationId xmlns:a16="http://schemas.microsoft.com/office/drawing/2014/main" id="{3B12F0DC-E53E-4936-9E90-F94B39233078}"/>
+              </a:ext>
+            </a:extLst>
+          </p:cNvPr>
+          <p:cNvPicPr>
+            <a:picLocks noChangeAspect="1"/>
+          </p:cNvPicPr>
+          <p:nvPr/>
+        </p:nvPicPr>
+        <p:blipFill rotWithShape="1">
+          <a:blip r:embed="rId2">
+            <a:extLst>
+              <a:ext uri="{28A0092B-C50C-407E-A947-70E740481C1C}">
+                <a14:useLocalDpi xmlns:a14="http://schemas.microsoft.com/office/drawing/2010/main" val="0"/>
+              </a:ext>
+            </a:extLst>
+          </a:blip>
+          <a:srcRect r="19212"/>
+          <a:stretch/>
+        </p:blipFill>
+        <p:spPr>
+          <a:xfrm>
+            <a:off x="6536633" y="3584679"/>
+            <a:ext cx="4965894" cy="2753822"/>
+          </a:xfrm>
+          <a:prstGeom prst="rect">
+            <a:avLst/>
+          </a:prstGeom>
+        </p:spPr>
+      </p:pic>
+      <p:pic>
+        <p:nvPicPr>
+          <p:cNvPr id="13" name="Picture 12">
+            <a:extLst>
+              <a:ext uri="{FF2B5EF4-FFF2-40B4-BE49-F238E27FC236}">
+                <a16:creationId xmlns:a16="http://schemas.microsoft.com/office/drawing/2014/main" id="{ACEAC43C-FAD7-41BF-B635-992A41ADF19B}"/>
+              </a:ext>
+            </a:extLst>
+          </p:cNvPr>
+          <p:cNvPicPr>
+            <a:picLocks noChangeAspect="1"/>
+          </p:cNvPicPr>
+          <p:nvPr/>
+        </p:nvPicPr>
+        <p:blipFill>
+          <a:blip r:embed="rId3">
+            <a:extLst>
+              <a:ext uri="{28A0092B-C50C-407E-A947-70E740481C1C}">
+                <a14:useLocalDpi xmlns:a14="http://schemas.microsoft.com/office/drawing/2010/main" val="0"/>
+              </a:ext>
+            </a:extLst>
+          </a:blip>
+          <a:stretch>
+            <a:fillRect/>
+          </a:stretch>
+        </p:blipFill>
+        <p:spPr>
+          <a:xfrm>
+            <a:off x="1369180" y="3630557"/>
+            <a:ext cx="4848902" cy="2662066"/>
+          </a:xfrm>
+          <a:prstGeom prst="rect">
+            <a:avLst/>
+          </a:prstGeom>
+        </p:spPr>
+      </p:pic>
+      <p:sp>
+        <p:nvSpPr>
+          <p:cNvPr id="10" name="TextBox 9">
+            <a:extLst>
+              <a:ext uri="{FF2B5EF4-FFF2-40B4-BE49-F238E27FC236}">
+                <a16:creationId xmlns:a16="http://schemas.microsoft.com/office/drawing/2014/main" id="{8B454EBC-B5A0-4067-8B29-2592D110C5D0}"/>
               </a:ext>
             </a:extLst>
           </p:cNvPr>
@@ -17806,10 +18063,10 @@
       </p:sp>
       <p:sp>
         <p:nvSpPr>
-          <p:cNvPr id="19" name="Oval 18">
-            <a:extLst>
-              <a:ext uri="{FF2B5EF4-FFF2-40B4-BE49-F238E27FC236}">
-                <a16:creationId xmlns:a16="http://schemas.microsoft.com/office/drawing/2014/main" id="{6F0AFD0B-5F38-42C6-956A-F2A65AF5D6F9}"/>
+          <p:cNvPr id="12" name="Oval 11">
+            <a:extLst>
+              <a:ext uri="{FF2B5EF4-FFF2-40B4-BE49-F238E27FC236}">
+                <a16:creationId xmlns:a16="http://schemas.microsoft.com/office/drawing/2014/main" id="{8737B3E1-557E-476F-BE1C-F4245ADF0FA7}"/>
               </a:ext>
             </a:extLst>
           </p:cNvPr>
@@ -17860,10 +18117,10 @@
       </p:sp>
       <p:pic>
         <p:nvPicPr>
-          <p:cNvPr id="20" name="Picture 19">
-            <a:extLst>
-              <a:ext uri="{FF2B5EF4-FFF2-40B4-BE49-F238E27FC236}">
-                <a16:creationId xmlns:a16="http://schemas.microsoft.com/office/drawing/2014/main" id="{3011D482-8D59-4B40-ABFD-C602D601ADBA}"/>
+          <p:cNvPr id="14" name="Picture 13">
+            <a:extLst>
+              <a:ext uri="{FF2B5EF4-FFF2-40B4-BE49-F238E27FC236}">
+                <a16:creationId xmlns:a16="http://schemas.microsoft.com/office/drawing/2014/main" id="{9A25C373-32C8-44D3-87CD-CAB0BFFA35E2}"/>
               </a:ext>
             </a:extLst>
           </p:cNvPr>
@@ -17873,7 +18130,7 @@
           <p:nvPr/>
         </p:nvPicPr>
         <p:blipFill rotWithShape="1">
-          <a:blip r:embed="rId2">
+          <a:blip r:embed="rId4">
             <a:extLst>
               <a:ext uri="{28A0092B-C50C-407E-A947-70E740481C1C}">
                 <a14:useLocalDpi xmlns:a14="http://schemas.microsoft.com/office/drawing/2010/main" val="0"/>
@@ -17893,159 +18150,10 @@
           </a:prstGeom>
         </p:spPr>
       </p:pic>
-      <p:pic>
-        <p:nvPicPr>
-          <p:cNvPr id="5" name="Picture 4">
-            <a:extLst>
-              <a:ext uri="{FF2B5EF4-FFF2-40B4-BE49-F238E27FC236}">
-                <a16:creationId xmlns:a16="http://schemas.microsoft.com/office/drawing/2014/main" id="{B316DB95-D49A-422B-B757-370FCDD53F2F}"/>
-              </a:ext>
-            </a:extLst>
-          </p:cNvPr>
-          <p:cNvPicPr>
-            <a:picLocks noChangeAspect="1"/>
-          </p:cNvPicPr>
-          <p:nvPr/>
-        </p:nvPicPr>
-        <p:blipFill>
-          <a:blip r:embed="rId3">
-            <a:extLst>
-              <a:ext uri="{28A0092B-C50C-407E-A947-70E740481C1C}">
-                <a14:useLocalDpi xmlns:a14="http://schemas.microsoft.com/office/drawing/2010/main" val="0"/>
-              </a:ext>
-            </a:extLst>
-          </a:blip>
-          <a:stretch>
-            <a:fillRect/>
-          </a:stretch>
-        </p:blipFill>
-        <p:spPr>
-          <a:xfrm>
-            <a:off x="3898556" y="2566129"/>
-            <a:ext cx="5036704" cy="3505546"/>
-          </a:xfrm>
-          <a:prstGeom prst="rect">
-            <a:avLst/>
-          </a:prstGeom>
-        </p:spPr>
-      </p:pic>
-      <p:cxnSp>
-        <p:nvCxnSpPr>
-          <p:cNvPr id="13" name="Straight Arrow Connector 12">
-            <a:extLst>
-              <a:ext uri="{FF2B5EF4-FFF2-40B4-BE49-F238E27FC236}">
-                <a16:creationId xmlns:a16="http://schemas.microsoft.com/office/drawing/2014/main" id="{836DEC0C-DC15-44AE-B6AB-8A9E89BEBFB8}"/>
-              </a:ext>
-            </a:extLst>
-          </p:cNvPr>
-          <p:cNvCxnSpPr/>
-          <p:nvPr/>
-        </p:nvCxnSpPr>
-        <p:spPr>
-          <a:xfrm flipV="1">
-            <a:off x="3624352" y="2128603"/>
-            <a:ext cx="0" cy="3943072"/>
-          </a:xfrm>
-          <a:prstGeom prst="straightConnector1">
-            <a:avLst/>
-          </a:prstGeom>
-          <a:ln>
-            <a:tailEnd type="triangle"/>
-          </a:ln>
-        </p:spPr>
-        <p:style>
-          <a:lnRef idx="1">
-            <a:schemeClr val="accent1"/>
-          </a:lnRef>
-          <a:fillRef idx="0">
-            <a:schemeClr val="accent1"/>
-          </a:fillRef>
-          <a:effectRef idx="0">
-            <a:schemeClr val="accent1"/>
-          </a:effectRef>
-          <a:fontRef idx="minor">
-            <a:schemeClr val="tx1"/>
-          </a:fontRef>
-        </p:style>
-      </p:cxnSp>
-      <p:cxnSp>
-        <p:nvCxnSpPr>
-          <p:cNvPr id="21" name="Straight Arrow Connector 20">
-            <a:extLst>
-              <a:ext uri="{FF2B5EF4-FFF2-40B4-BE49-F238E27FC236}">
-                <a16:creationId xmlns:a16="http://schemas.microsoft.com/office/drawing/2014/main" id="{3D6FB808-EFD4-4D3E-9DD9-70B8174BE617}"/>
-              </a:ext>
-            </a:extLst>
-          </p:cNvPr>
-          <p:cNvCxnSpPr/>
-          <p:nvPr/>
-        </p:nvCxnSpPr>
-        <p:spPr>
-          <a:xfrm>
-            <a:off x="3624352" y="6071675"/>
-            <a:ext cx="5654559" cy="0"/>
-          </a:xfrm>
-          <a:prstGeom prst="straightConnector1">
-            <a:avLst/>
-          </a:prstGeom>
-          <a:ln>
-            <a:tailEnd type="triangle"/>
-          </a:ln>
-        </p:spPr>
-        <p:style>
-          <a:lnRef idx="1">
-            <a:schemeClr val="accent1"/>
-          </a:lnRef>
-          <a:fillRef idx="0">
-            <a:schemeClr val="accent1"/>
-          </a:fillRef>
-          <a:effectRef idx="0">
-            <a:schemeClr val="accent1"/>
-          </a:effectRef>
-          <a:fontRef idx="minor">
-            <a:schemeClr val="tx1"/>
-          </a:fontRef>
-        </p:style>
-      </p:cxnSp>
-      <p:sp>
-        <p:nvSpPr>
-          <p:cNvPr id="22" name="TextBox 21">
-            <a:extLst>
-              <a:ext uri="{FF2B5EF4-FFF2-40B4-BE49-F238E27FC236}">
-                <a16:creationId xmlns:a16="http://schemas.microsoft.com/office/drawing/2014/main" id="{95785E32-7E33-4F0F-B87D-891BEC6823C0}"/>
-              </a:ext>
-            </a:extLst>
-          </p:cNvPr>
-          <p:cNvSpPr txBox="1"/>
-          <p:nvPr/>
-        </p:nvSpPr>
-        <p:spPr>
-          <a:xfrm rot="16200000">
-            <a:off x="2174140" y="3915473"/>
-            <a:ext cx="1843790" cy="369332"/>
-          </a:xfrm>
-          <a:prstGeom prst="rect">
-            <a:avLst/>
-          </a:prstGeom>
-          <a:noFill/>
-        </p:spPr>
-        <p:txBody>
-          <a:bodyPr wrap="square" rtlCol="0">
-            <a:spAutoFit/>
-          </a:bodyPr>
-          <a:lstStyle/>
-          <a:p>
-            <a:r>
-              <a:rPr lang="en-US" dirty="0"/>
-              <a:t>MSE (COST)</a:t>
-            </a:r>
-          </a:p>
-        </p:txBody>
-      </p:sp>
     </p:spTree>
     <p:extLst>
       <p:ext uri="{BB962C8B-B14F-4D97-AF65-F5344CB8AC3E}">
-        <p14:creationId xmlns:p14="http://schemas.microsoft.com/office/powerpoint/2010/main" val="2534234985"/>
+        <p14:creationId xmlns:p14="http://schemas.microsoft.com/office/powerpoint/2010/main" val="2036169167"/>
       </p:ext>
     </p:extLst>
   </p:cSld>
@@ -18195,338 +18303,6 @@
       </p:sp>
       <p:sp>
         <p:nvSpPr>
-          <p:cNvPr id="6" name="TextBox 5">
-            <a:extLst>
-              <a:ext uri="{FF2B5EF4-FFF2-40B4-BE49-F238E27FC236}">
-                <a16:creationId xmlns:a16="http://schemas.microsoft.com/office/drawing/2014/main" id="{7686ED05-9F08-487F-9CA0-56052E0C5D97}"/>
-              </a:ext>
-            </a:extLst>
-          </p:cNvPr>
-          <p:cNvSpPr txBox="1"/>
-          <p:nvPr/>
-        </p:nvSpPr>
-        <p:spPr>
-          <a:xfrm>
-            <a:off x="621265" y="3131234"/>
-            <a:ext cx="6239446" cy="1754326"/>
-          </a:xfrm>
-          <a:prstGeom prst="rect">
-            <a:avLst/>
-          </a:prstGeom>
-          <a:noFill/>
-        </p:spPr>
-        <p:txBody>
-          <a:bodyPr wrap="square" rtlCol="0">
-            <a:spAutoFit/>
-          </a:bodyPr>
-          <a:lstStyle/>
-          <a:p>
-            <a:r>
-              <a:rPr lang="en-US" dirty="0"/>
-              <a:t>Gradient descent is an efficient optimization algorithm that attempts to find a local or global minima of a function. At this point the model has optimized the weights such that they minimize the cost function. Gradient descent enables a model to learn the gradient or direction that the model should take in order to reduce errors</a:t>
-            </a:r>
-          </a:p>
-        </p:txBody>
-      </p:sp>
-      <p:pic>
-        <p:nvPicPr>
-          <p:cNvPr id="9" name="Picture 8">
-            <a:extLst>
-              <a:ext uri="{FF2B5EF4-FFF2-40B4-BE49-F238E27FC236}">
-                <a16:creationId xmlns:a16="http://schemas.microsoft.com/office/drawing/2014/main" id="{B96B7A37-8F91-45EC-8147-80B572CE925F}"/>
-              </a:ext>
-            </a:extLst>
-          </p:cNvPr>
-          <p:cNvPicPr>
-            <a:picLocks noChangeAspect="1"/>
-          </p:cNvPicPr>
-          <p:nvPr/>
-        </p:nvPicPr>
-        <p:blipFill rotWithShape="1">
-          <a:blip r:embed="rId2">
-            <a:extLst>
-              <a:ext uri="{28A0092B-C50C-407E-A947-70E740481C1C}">
-                <a14:useLocalDpi xmlns:a14="http://schemas.microsoft.com/office/drawing/2010/main" val="0"/>
-              </a:ext>
-            </a:extLst>
-          </a:blip>
-          <a:srcRect l="6428"/>
-          <a:stretch/>
-        </p:blipFill>
-        <p:spPr>
-          <a:xfrm>
-            <a:off x="7184207" y="2472454"/>
-            <a:ext cx="4610515" cy="4243023"/>
-          </a:xfrm>
-          <a:prstGeom prst="rect">
-            <a:avLst/>
-          </a:prstGeom>
-        </p:spPr>
-      </p:pic>
-      <p:sp>
-        <p:nvSpPr>
-          <p:cNvPr id="8" name="TextBox 7">
-            <a:extLst>
-              <a:ext uri="{FF2B5EF4-FFF2-40B4-BE49-F238E27FC236}">
-                <a16:creationId xmlns:a16="http://schemas.microsoft.com/office/drawing/2014/main" id="{9B4AA5E2-FEE4-4617-AFCE-4E5071C36122}"/>
-              </a:ext>
-            </a:extLst>
-          </p:cNvPr>
-          <p:cNvSpPr txBox="1"/>
-          <p:nvPr/>
-        </p:nvSpPr>
-        <p:spPr>
-          <a:xfrm rot="16200000">
-            <a:off x="6343668" y="3902171"/>
-            <a:ext cx="1319134" cy="369332"/>
-          </a:xfrm>
-          <a:prstGeom prst="rect">
-            <a:avLst/>
-          </a:prstGeom>
-          <a:noFill/>
-        </p:spPr>
-        <p:txBody>
-          <a:bodyPr wrap="square" rtlCol="0">
-            <a:spAutoFit/>
-          </a:bodyPr>
-          <a:lstStyle/>
-          <a:p>
-            <a:r>
-              <a:rPr lang="en-US" dirty="0">
-                <a:solidFill>
-                  <a:srgbClr val="FF0000"/>
-                </a:solidFill>
-              </a:rPr>
-              <a:t>MSE (Cost)</a:t>
-            </a:r>
-          </a:p>
-        </p:txBody>
-      </p:sp>
-      <p:sp>
-        <p:nvSpPr>
-          <p:cNvPr id="10" name="Rectangle 9">
-            <a:extLst>
-              <a:ext uri="{FF2B5EF4-FFF2-40B4-BE49-F238E27FC236}">
-                <a16:creationId xmlns:a16="http://schemas.microsoft.com/office/drawing/2014/main" id="{8D0EB154-BBA8-452E-A2E9-165865F1D51B}"/>
-              </a:ext>
-            </a:extLst>
-          </p:cNvPr>
-          <p:cNvSpPr/>
-          <p:nvPr/>
-        </p:nvSpPr>
-        <p:spPr>
-          <a:xfrm>
-            <a:off x="10494498" y="5769135"/>
-            <a:ext cx="1341277" cy="369332"/>
-          </a:xfrm>
-          <a:prstGeom prst="rect">
-            <a:avLst/>
-          </a:prstGeom>
-        </p:spPr>
-        <p:style>
-          <a:lnRef idx="2">
-            <a:schemeClr val="accent1">
-              <a:shade val="50000"/>
-            </a:schemeClr>
-          </a:lnRef>
-          <a:fillRef idx="1">
-            <a:schemeClr val="accent1"/>
-          </a:fillRef>
-          <a:effectRef idx="0">
-            <a:schemeClr val="accent1"/>
-          </a:effectRef>
-          <a:fontRef idx="minor">
-            <a:schemeClr val="lt1"/>
-          </a:fontRef>
-        </p:style>
-        <p:txBody>
-          <a:bodyPr rtlCol="0" anchor="ctr"/>
-          <a:lstStyle/>
-          <a:p>
-            <a:pPr algn="ctr"/>
-            <a:r>
-              <a:rPr lang="en-US" dirty="0"/>
-              <a:t>Weight (W)</a:t>
-            </a:r>
-          </a:p>
-        </p:txBody>
-      </p:sp>
-      <p:sp>
-        <p:nvSpPr>
-          <p:cNvPr id="11" name="Oval 10">
-            <a:extLst>
-              <a:ext uri="{FF2B5EF4-FFF2-40B4-BE49-F238E27FC236}">
-                <a16:creationId xmlns:a16="http://schemas.microsoft.com/office/drawing/2014/main" id="{C1B393FF-E34A-42CB-8A3C-05EB02245893}"/>
-              </a:ext>
-            </a:extLst>
-          </p:cNvPr>
-          <p:cNvSpPr/>
-          <p:nvPr/>
-        </p:nvSpPr>
-        <p:spPr>
-          <a:xfrm>
-            <a:off x="8900469" y="4306163"/>
-            <a:ext cx="1229196" cy="594129"/>
-          </a:xfrm>
-          <a:prstGeom prst="ellipse">
-            <a:avLst/>
-          </a:prstGeom>
-        </p:spPr>
-        <p:style>
-          <a:lnRef idx="2">
-            <a:schemeClr val="accent1">
-              <a:shade val="50000"/>
-            </a:schemeClr>
-          </a:lnRef>
-          <a:fillRef idx="1">
-            <a:schemeClr val="accent1"/>
-          </a:fillRef>
-          <a:effectRef idx="0">
-            <a:schemeClr val="accent1"/>
-          </a:effectRef>
-          <a:fontRef idx="minor">
-            <a:schemeClr val="lt1"/>
-          </a:fontRef>
-        </p:style>
-        <p:txBody>
-          <a:bodyPr rtlCol="0" anchor="ctr"/>
-          <a:lstStyle/>
-          <a:p>
-            <a:pPr algn="ctr"/>
-            <a:r>
-              <a:rPr lang="en-US" sz="1400" dirty="0"/>
-              <a:t>Global Minima</a:t>
-            </a:r>
-          </a:p>
-        </p:txBody>
-      </p:sp>
-      <p:pic>
-        <p:nvPicPr>
-          <p:cNvPr id="15" name="Picture 14">
-            <a:extLst>
-              <a:ext uri="{FF2B5EF4-FFF2-40B4-BE49-F238E27FC236}">
-                <a16:creationId xmlns:a16="http://schemas.microsoft.com/office/drawing/2014/main" id="{2EDCA02A-FE71-4256-A513-F6917536FE38}"/>
-              </a:ext>
-            </a:extLst>
-          </p:cNvPr>
-          <p:cNvPicPr>
-            <a:picLocks noChangeAspect="1"/>
-          </p:cNvPicPr>
-          <p:nvPr/>
-        </p:nvPicPr>
-        <p:blipFill>
-          <a:blip r:embed="rId3">
-            <a:extLst>
-              <a:ext uri="{28A0092B-C50C-407E-A947-70E740481C1C}">
-                <a14:useLocalDpi xmlns:a14="http://schemas.microsoft.com/office/drawing/2010/main" val="0"/>
-              </a:ext>
-            </a:extLst>
-          </a:blip>
-          <a:stretch>
-            <a:fillRect/>
-          </a:stretch>
-        </p:blipFill>
-        <p:spPr>
-          <a:xfrm>
-            <a:off x="1908540" y="5211270"/>
-            <a:ext cx="3664895" cy="1115729"/>
-          </a:xfrm>
-          <a:prstGeom prst="rect">
-            <a:avLst/>
-          </a:prstGeom>
-        </p:spPr>
-      </p:pic>
-      <p:sp>
-        <p:nvSpPr>
-          <p:cNvPr id="16" name="Oval 15">
-            <a:extLst>
-              <a:ext uri="{FF2B5EF4-FFF2-40B4-BE49-F238E27FC236}">
-                <a16:creationId xmlns:a16="http://schemas.microsoft.com/office/drawing/2014/main" id="{FEAEFC81-E2E5-447E-8C10-1D2876C20DAD}"/>
-              </a:ext>
-            </a:extLst>
-          </p:cNvPr>
-          <p:cNvSpPr/>
-          <p:nvPr/>
-        </p:nvSpPr>
-        <p:spPr>
-          <a:xfrm>
-            <a:off x="9397219" y="5433689"/>
-            <a:ext cx="309489" cy="87923"/>
-          </a:xfrm>
-          <a:prstGeom prst="ellipse">
-            <a:avLst/>
-          </a:prstGeom>
-          <a:solidFill>
-            <a:srgbClr val="FF0000"/>
-          </a:solidFill>
-          <a:ln>
-            <a:solidFill>
-              <a:srgbClr val="FF0000"/>
-            </a:solidFill>
-          </a:ln>
-        </p:spPr>
-        <p:style>
-          <a:lnRef idx="2">
-            <a:schemeClr val="accent1">
-              <a:shade val="50000"/>
-            </a:schemeClr>
-          </a:lnRef>
-          <a:fillRef idx="1">
-            <a:schemeClr val="accent1"/>
-          </a:fillRef>
-          <a:effectRef idx="0">
-            <a:schemeClr val="accent1"/>
-          </a:effectRef>
-          <a:fontRef idx="minor">
-            <a:schemeClr val="lt1"/>
-          </a:fontRef>
-        </p:style>
-        <p:txBody>
-          <a:bodyPr rtlCol="0" anchor="ctr"/>
-          <a:lstStyle/>
-          <a:p>
-            <a:pPr algn="ctr"/>
-            <a:endParaRPr lang="en-US"/>
-          </a:p>
-        </p:txBody>
-      </p:sp>
-      <p:sp>
-        <p:nvSpPr>
-          <p:cNvPr id="17" name="TextBox 16">
-            <a:extLst>
-              <a:ext uri="{FF2B5EF4-FFF2-40B4-BE49-F238E27FC236}">
-                <a16:creationId xmlns:a16="http://schemas.microsoft.com/office/drawing/2014/main" id="{AA435966-759C-450A-81E3-47D49BF548E1}"/>
-              </a:ext>
-            </a:extLst>
-          </p:cNvPr>
-          <p:cNvSpPr txBox="1"/>
-          <p:nvPr/>
-        </p:nvSpPr>
-        <p:spPr>
-          <a:xfrm>
-            <a:off x="7804341" y="2059248"/>
-            <a:ext cx="901447" cy="369332"/>
-          </a:xfrm>
-          <a:prstGeom prst="rect">
-            <a:avLst/>
-          </a:prstGeom>
-          <a:noFill/>
-        </p:spPr>
-        <p:txBody>
-          <a:bodyPr wrap="square" rtlCol="0">
-            <a:spAutoFit/>
-          </a:bodyPr>
-          <a:lstStyle/>
-          <a:p>
-            <a:r>
-              <a:rPr lang="en-US" dirty="0"/>
-              <a:t>m=c=0</a:t>
-            </a:r>
-          </a:p>
-        </p:txBody>
-      </p:sp>
-      <p:sp>
-        <p:nvSpPr>
           <p:cNvPr id="18" name="TextBox 17">
             <a:extLst>
               <a:ext uri="{FF2B5EF4-FFF2-40B4-BE49-F238E27FC236}">
@@ -18634,7 +18410,7 @@
           <p:nvPr/>
         </p:nvPicPr>
         <p:blipFill rotWithShape="1">
-          <a:blip r:embed="rId4">
+          <a:blip r:embed="rId2">
             <a:extLst>
               <a:ext uri="{28A0092B-C50C-407E-A947-70E740481C1C}">
                 <a14:useLocalDpi xmlns:a14="http://schemas.microsoft.com/office/drawing/2010/main" val="0"/>
@@ -18654,10 +18430,159 @@
           </a:prstGeom>
         </p:spPr>
       </p:pic>
+      <p:pic>
+        <p:nvPicPr>
+          <p:cNvPr id="5" name="Picture 4">
+            <a:extLst>
+              <a:ext uri="{FF2B5EF4-FFF2-40B4-BE49-F238E27FC236}">
+                <a16:creationId xmlns:a16="http://schemas.microsoft.com/office/drawing/2014/main" id="{B316DB95-D49A-422B-B757-370FCDD53F2F}"/>
+              </a:ext>
+            </a:extLst>
+          </p:cNvPr>
+          <p:cNvPicPr>
+            <a:picLocks noChangeAspect="1"/>
+          </p:cNvPicPr>
+          <p:nvPr/>
+        </p:nvPicPr>
+        <p:blipFill>
+          <a:blip r:embed="rId3">
+            <a:extLst>
+              <a:ext uri="{28A0092B-C50C-407E-A947-70E740481C1C}">
+                <a14:useLocalDpi xmlns:a14="http://schemas.microsoft.com/office/drawing/2010/main" val="0"/>
+              </a:ext>
+            </a:extLst>
+          </a:blip>
+          <a:stretch>
+            <a:fillRect/>
+          </a:stretch>
+        </p:blipFill>
+        <p:spPr>
+          <a:xfrm>
+            <a:off x="3898556" y="2566129"/>
+            <a:ext cx="5036704" cy="3505546"/>
+          </a:xfrm>
+          <a:prstGeom prst="rect">
+            <a:avLst/>
+          </a:prstGeom>
+        </p:spPr>
+      </p:pic>
+      <p:cxnSp>
+        <p:nvCxnSpPr>
+          <p:cNvPr id="13" name="Straight Arrow Connector 12">
+            <a:extLst>
+              <a:ext uri="{FF2B5EF4-FFF2-40B4-BE49-F238E27FC236}">
+                <a16:creationId xmlns:a16="http://schemas.microsoft.com/office/drawing/2014/main" id="{836DEC0C-DC15-44AE-B6AB-8A9E89BEBFB8}"/>
+              </a:ext>
+            </a:extLst>
+          </p:cNvPr>
+          <p:cNvCxnSpPr/>
+          <p:nvPr/>
+        </p:nvCxnSpPr>
+        <p:spPr>
+          <a:xfrm flipV="1">
+            <a:off x="3624352" y="2128603"/>
+            <a:ext cx="0" cy="3943072"/>
+          </a:xfrm>
+          <a:prstGeom prst="straightConnector1">
+            <a:avLst/>
+          </a:prstGeom>
+          <a:ln>
+            <a:tailEnd type="triangle"/>
+          </a:ln>
+        </p:spPr>
+        <p:style>
+          <a:lnRef idx="1">
+            <a:schemeClr val="accent1"/>
+          </a:lnRef>
+          <a:fillRef idx="0">
+            <a:schemeClr val="accent1"/>
+          </a:fillRef>
+          <a:effectRef idx="0">
+            <a:schemeClr val="accent1"/>
+          </a:effectRef>
+          <a:fontRef idx="minor">
+            <a:schemeClr val="tx1"/>
+          </a:fontRef>
+        </p:style>
+      </p:cxnSp>
+      <p:cxnSp>
+        <p:nvCxnSpPr>
+          <p:cNvPr id="21" name="Straight Arrow Connector 20">
+            <a:extLst>
+              <a:ext uri="{FF2B5EF4-FFF2-40B4-BE49-F238E27FC236}">
+                <a16:creationId xmlns:a16="http://schemas.microsoft.com/office/drawing/2014/main" id="{3D6FB808-EFD4-4D3E-9DD9-70B8174BE617}"/>
+              </a:ext>
+            </a:extLst>
+          </p:cNvPr>
+          <p:cNvCxnSpPr/>
+          <p:nvPr/>
+        </p:nvCxnSpPr>
+        <p:spPr>
+          <a:xfrm>
+            <a:off x="3624352" y="6071675"/>
+            <a:ext cx="5654559" cy="0"/>
+          </a:xfrm>
+          <a:prstGeom prst="straightConnector1">
+            <a:avLst/>
+          </a:prstGeom>
+          <a:ln>
+            <a:tailEnd type="triangle"/>
+          </a:ln>
+        </p:spPr>
+        <p:style>
+          <a:lnRef idx="1">
+            <a:schemeClr val="accent1"/>
+          </a:lnRef>
+          <a:fillRef idx="0">
+            <a:schemeClr val="accent1"/>
+          </a:fillRef>
+          <a:effectRef idx="0">
+            <a:schemeClr val="accent1"/>
+          </a:effectRef>
+          <a:fontRef idx="minor">
+            <a:schemeClr val="tx1"/>
+          </a:fontRef>
+        </p:style>
+      </p:cxnSp>
+      <p:sp>
+        <p:nvSpPr>
+          <p:cNvPr id="22" name="TextBox 21">
+            <a:extLst>
+              <a:ext uri="{FF2B5EF4-FFF2-40B4-BE49-F238E27FC236}">
+                <a16:creationId xmlns:a16="http://schemas.microsoft.com/office/drawing/2014/main" id="{95785E32-7E33-4F0F-B87D-891BEC6823C0}"/>
+              </a:ext>
+            </a:extLst>
+          </p:cNvPr>
+          <p:cNvSpPr txBox="1"/>
+          <p:nvPr/>
+        </p:nvSpPr>
+        <p:spPr>
+          <a:xfrm rot="16200000">
+            <a:off x="2174140" y="3915473"/>
+            <a:ext cx="1843790" cy="369332"/>
+          </a:xfrm>
+          <a:prstGeom prst="rect">
+            <a:avLst/>
+          </a:prstGeom>
+          <a:noFill/>
+        </p:spPr>
+        <p:txBody>
+          <a:bodyPr wrap="square" rtlCol="0">
+            <a:spAutoFit/>
+          </a:bodyPr>
+          <a:lstStyle/>
+          <a:p>
+            <a:r>
+              <a:rPr lang="en-US" dirty="0"/>
+              <a:t>MSE (COST)</a:t>
+            </a:r>
+          </a:p>
+        </p:txBody>
+      </p:sp>
     </p:spTree>
     <p:extLst>
       <p:ext uri="{BB962C8B-B14F-4D97-AF65-F5344CB8AC3E}">
-        <p14:creationId xmlns:p14="http://schemas.microsoft.com/office/powerpoint/2010/main" val="2041894147"/>
+        <p14:creationId xmlns:p14="http://schemas.microsoft.com/office/powerpoint/2010/main" val="2534234985"/>
       </p:ext>
     </p:extLst>
   </p:cSld>
@@ -18760,6 +18685,618 @@
       </p:sp>
       <p:sp>
         <p:nvSpPr>
+          <p:cNvPr id="3" name="TextBox 2">
+            <a:extLst>
+              <a:ext uri="{FF2B5EF4-FFF2-40B4-BE49-F238E27FC236}">
+                <a16:creationId xmlns:a16="http://schemas.microsoft.com/office/drawing/2014/main" id="{A4250278-09D3-4DAD-B148-50E5F2058A2A}"/>
+              </a:ext>
+            </a:extLst>
+          </p:cNvPr>
+          <p:cNvSpPr txBox="1"/>
+          <p:nvPr/>
+        </p:nvSpPr>
+        <p:spPr>
+          <a:xfrm>
+            <a:off x="3624352" y="1280999"/>
+            <a:ext cx="4900670" cy="646331"/>
+          </a:xfrm>
+          <a:prstGeom prst="rect">
+            <a:avLst/>
+          </a:prstGeom>
+          <a:noFill/>
+        </p:spPr>
+        <p:txBody>
+          <a:bodyPr wrap="square" rtlCol="0">
+            <a:spAutoFit/>
+          </a:bodyPr>
+          <a:lstStyle/>
+          <a:p>
+            <a:pPr algn="ctr"/>
+            <a:r>
+              <a:rPr lang="en-US" dirty="0">
+                <a:latin typeface="Segoe Print" panose="02000600000000000000" pitchFamily="2" charset="0"/>
+              </a:rPr>
+              <a:t>Minimizing the cost function: Optimizer </a:t>
+            </a:r>
+            <a:r>
+              <a:rPr lang="en-US" dirty="0">
+                <a:solidFill>
+                  <a:srgbClr val="FF0000"/>
+                </a:solidFill>
+                <a:latin typeface="Segoe Print" panose="02000600000000000000" pitchFamily="2" charset="0"/>
+              </a:rPr>
+              <a:t>Gradient Descent</a:t>
+            </a:r>
+          </a:p>
+        </p:txBody>
+      </p:sp>
+      <p:sp>
+        <p:nvSpPr>
+          <p:cNvPr id="6" name="TextBox 5">
+            <a:extLst>
+              <a:ext uri="{FF2B5EF4-FFF2-40B4-BE49-F238E27FC236}">
+                <a16:creationId xmlns:a16="http://schemas.microsoft.com/office/drawing/2014/main" id="{7686ED05-9F08-487F-9CA0-56052E0C5D97}"/>
+              </a:ext>
+            </a:extLst>
+          </p:cNvPr>
+          <p:cNvSpPr txBox="1"/>
+          <p:nvPr/>
+        </p:nvSpPr>
+        <p:spPr>
+          <a:xfrm>
+            <a:off x="621265" y="3131234"/>
+            <a:ext cx="6239446" cy="1754326"/>
+          </a:xfrm>
+          <a:prstGeom prst="rect">
+            <a:avLst/>
+          </a:prstGeom>
+          <a:noFill/>
+        </p:spPr>
+        <p:txBody>
+          <a:bodyPr wrap="square" rtlCol="0">
+            <a:spAutoFit/>
+          </a:bodyPr>
+          <a:lstStyle/>
+          <a:p>
+            <a:r>
+              <a:rPr lang="en-US" dirty="0"/>
+              <a:t>Gradient descent is an efficient optimization algorithm that attempts to find a local or global minima of a function. At this point the model has optimized the weights such that they minimize the cost function. Gradient descent enables a model to learn the gradient or direction that the model should take in order to reduce errors</a:t>
+            </a:r>
+          </a:p>
+        </p:txBody>
+      </p:sp>
+      <p:pic>
+        <p:nvPicPr>
+          <p:cNvPr id="9" name="Picture 8">
+            <a:extLst>
+              <a:ext uri="{FF2B5EF4-FFF2-40B4-BE49-F238E27FC236}">
+                <a16:creationId xmlns:a16="http://schemas.microsoft.com/office/drawing/2014/main" id="{B96B7A37-8F91-45EC-8147-80B572CE925F}"/>
+              </a:ext>
+            </a:extLst>
+          </p:cNvPr>
+          <p:cNvPicPr>
+            <a:picLocks noChangeAspect="1"/>
+          </p:cNvPicPr>
+          <p:nvPr/>
+        </p:nvPicPr>
+        <p:blipFill rotWithShape="1">
+          <a:blip r:embed="rId2">
+            <a:extLst>
+              <a:ext uri="{28A0092B-C50C-407E-A947-70E740481C1C}">
+                <a14:useLocalDpi xmlns:a14="http://schemas.microsoft.com/office/drawing/2010/main" val="0"/>
+              </a:ext>
+            </a:extLst>
+          </a:blip>
+          <a:srcRect l="6428"/>
+          <a:stretch/>
+        </p:blipFill>
+        <p:spPr>
+          <a:xfrm>
+            <a:off x="7184207" y="2472454"/>
+            <a:ext cx="4610515" cy="4243023"/>
+          </a:xfrm>
+          <a:prstGeom prst="rect">
+            <a:avLst/>
+          </a:prstGeom>
+        </p:spPr>
+      </p:pic>
+      <p:sp>
+        <p:nvSpPr>
+          <p:cNvPr id="8" name="TextBox 7">
+            <a:extLst>
+              <a:ext uri="{FF2B5EF4-FFF2-40B4-BE49-F238E27FC236}">
+                <a16:creationId xmlns:a16="http://schemas.microsoft.com/office/drawing/2014/main" id="{9B4AA5E2-FEE4-4617-AFCE-4E5071C36122}"/>
+              </a:ext>
+            </a:extLst>
+          </p:cNvPr>
+          <p:cNvSpPr txBox="1"/>
+          <p:nvPr/>
+        </p:nvSpPr>
+        <p:spPr>
+          <a:xfrm rot="16200000">
+            <a:off x="6343668" y="3902171"/>
+            <a:ext cx="1319134" cy="369332"/>
+          </a:xfrm>
+          <a:prstGeom prst="rect">
+            <a:avLst/>
+          </a:prstGeom>
+          <a:noFill/>
+        </p:spPr>
+        <p:txBody>
+          <a:bodyPr wrap="square" rtlCol="0">
+            <a:spAutoFit/>
+          </a:bodyPr>
+          <a:lstStyle/>
+          <a:p>
+            <a:r>
+              <a:rPr lang="en-US" dirty="0">
+                <a:solidFill>
+                  <a:srgbClr val="FF0000"/>
+                </a:solidFill>
+              </a:rPr>
+              <a:t>MSE (Cost)</a:t>
+            </a:r>
+          </a:p>
+        </p:txBody>
+      </p:sp>
+      <p:sp>
+        <p:nvSpPr>
+          <p:cNvPr id="10" name="Rectangle 9">
+            <a:extLst>
+              <a:ext uri="{FF2B5EF4-FFF2-40B4-BE49-F238E27FC236}">
+                <a16:creationId xmlns:a16="http://schemas.microsoft.com/office/drawing/2014/main" id="{8D0EB154-BBA8-452E-A2E9-165865F1D51B}"/>
+              </a:ext>
+            </a:extLst>
+          </p:cNvPr>
+          <p:cNvSpPr/>
+          <p:nvPr/>
+        </p:nvSpPr>
+        <p:spPr>
+          <a:xfrm>
+            <a:off x="10494498" y="5769135"/>
+            <a:ext cx="1341277" cy="369332"/>
+          </a:xfrm>
+          <a:prstGeom prst="rect">
+            <a:avLst/>
+          </a:prstGeom>
+        </p:spPr>
+        <p:style>
+          <a:lnRef idx="2">
+            <a:schemeClr val="accent1">
+              <a:shade val="50000"/>
+            </a:schemeClr>
+          </a:lnRef>
+          <a:fillRef idx="1">
+            <a:schemeClr val="accent1"/>
+          </a:fillRef>
+          <a:effectRef idx="0">
+            <a:schemeClr val="accent1"/>
+          </a:effectRef>
+          <a:fontRef idx="minor">
+            <a:schemeClr val="lt1"/>
+          </a:fontRef>
+        </p:style>
+        <p:txBody>
+          <a:bodyPr rtlCol="0" anchor="ctr"/>
+          <a:lstStyle/>
+          <a:p>
+            <a:pPr algn="ctr"/>
+            <a:r>
+              <a:rPr lang="en-US" dirty="0"/>
+              <a:t>Weight (W)</a:t>
+            </a:r>
+          </a:p>
+        </p:txBody>
+      </p:sp>
+      <p:sp>
+        <p:nvSpPr>
+          <p:cNvPr id="11" name="Oval 10">
+            <a:extLst>
+              <a:ext uri="{FF2B5EF4-FFF2-40B4-BE49-F238E27FC236}">
+                <a16:creationId xmlns:a16="http://schemas.microsoft.com/office/drawing/2014/main" id="{C1B393FF-E34A-42CB-8A3C-05EB02245893}"/>
+              </a:ext>
+            </a:extLst>
+          </p:cNvPr>
+          <p:cNvSpPr/>
+          <p:nvPr/>
+        </p:nvSpPr>
+        <p:spPr>
+          <a:xfrm>
+            <a:off x="8900469" y="4306163"/>
+            <a:ext cx="1229196" cy="594129"/>
+          </a:xfrm>
+          <a:prstGeom prst="ellipse">
+            <a:avLst/>
+          </a:prstGeom>
+        </p:spPr>
+        <p:style>
+          <a:lnRef idx="2">
+            <a:schemeClr val="accent1">
+              <a:shade val="50000"/>
+            </a:schemeClr>
+          </a:lnRef>
+          <a:fillRef idx="1">
+            <a:schemeClr val="accent1"/>
+          </a:fillRef>
+          <a:effectRef idx="0">
+            <a:schemeClr val="accent1"/>
+          </a:effectRef>
+          <a:fontRef idx="minor">
+            <a:schemeClr val="lt1"/>
+          </a:fontRef>
+        </p:style>
+        <p:txBody>
+          <a:bodyPr rtlCol="0" anchor="ctr"/>
+          <a:lstStyle/>
+          <a:p>
+            <a:pPr algn="ctr"/>
+            <a:r>
+              <a:rPr lang="en-US" sz="1400" dirty="0"/>
+              <a:t>Global Minima</a:t>
+            </a:r>
+          </a:p>
+        </p:txBody>
+      </p:sp>
+      <p:pic>
+        <p:nvPicPr>
+          <p:cNvPr id="15" name="Picture 14">
+            <a:extLst>
+              <a:ext uri="{FF2B5EF4-FFF2-40B4-BE49-F238E27FC236}">
+                <a16:creationId xmlns:a16="http://schemas.microsoft.com/office/drawing/2014/main" id="{2EDCA02A-FE71-4256-A513-F6917536FE38}"/>
+              </a:ext>
+            </a:extLst>
+          </p:cNvPr>
+          <p:cNvPicPr>
+            <a:picLocks noChangeAspect="1"/>
+          </p:cNvPicPr>
+          <p:nvPr/>
+        </p:nvPicPr>
+        <p:blipFill>
+          <a:blip r:embed="rId3">
+            <a:extLst>
+              <a:ext uri="{28A0092B-C50C-407E-A947-70E740481C1C}">
+                <a14:useLocalDpi xmlns:a14="http://schemas.microsoft.com/office/drawing/2010/main" val="0"/>
+              </a:ext>
+            </a:extLst>
+          </a:blip>
+          <a:stretch>
+            <a:fillRect/>
+          </a:stretch>
+        </p:blipFill>
+        <p:spPr>
+          <a:xfrm>
+            <a:off x="1908540" y="5211270"/>
+            <a:ext cx="3664895" cy="1115729"/>
+          </a:xfrm>
+          <a:prstGeom prst="rect">
+            <a:avLst/>
+          </a:prstGeom>
+        </p:spPr>
+      </p:pic>
+      <p:sp>
+        <p:nvSpPr>
+          <p:cNvPr id="16" name="Oval 15">
+            <a:extLst>
+              <a:ext uri="{FF2B5EF4-FFF2-40B4-BE49-F238E27FC236}">
+                <a16:creationId xmlns:a16="http://schemas.microsoft.com/office/drawing/2014/main" id="{FEAEFC81-E2E5-447E-8C10-1D2876C20DAD}"/>
+              </a:ext>
+            </a:extLst>
+          </p:cNvPr>
+          <p:cNvSpPr/>
+          <p:nvPr/>
+        </p:nvSpPr>
+        <p:spPr>
+          <a:xfrm>
+            <a:off x="9397219" y="5433689"/>
+            <a:ext cx="309489" cy="87923"/>
+          </a:xfrm>
+          <a:prstGeom prst="ellipse">
+            <a:avLst/>
+          </a:prstGeom>
+          <a:solidFill>
+            <a:srgbClr val="FF0000"/>
+          </a:solidFill>
+          <a:ln>
+            <a:solidFill>
+              <a:srgbClr val="FF0000"/>
+            </a:solidFill>
+          </a:ln>
+        </p:spPr>
+        <p:style>
+          <a:lnRef idx="2">
+            <a:schemeClr val="accent1">
+              <a:shade val="50000"/>
+            </a:schemeClr>
+          </a:lnRef>
+          <a:fillRef idx="1">
+            <a:schemeClr val="accent1"/>
+          </a:fillRef>
+          <a:effectRef idx="0">
+            <a:schemeClr val="accent1"/>
+          </a:effectRef>
+          <a:fontRef idx="minor">
+            <a:schemeClr val="lt1"/>
+          </a:fontRef>
+        </p:style>
+        <p:txBody>
+          <a:bodyPr rtlCol="0" anchor="ctr"/>
+          <a:lstStyle/>
+          <a:p>
+            <a:pPr algn="ctr"/>
+            <a:endParaRPr lang="en-US"/>
+          </a:p>
+        </p:txBody>
+      </p:sp>
+      <p:sp>
+        <p:nvSpPr>
+          <p:cNvPr id="17" name="TextBox 16">
+            <a:extLst>
+              <a:ext uri="{FF2B5EF4-FFF2-40B4-BE49-F238E27FC236}">
+                <a16:creationId xmlns:a16="http://schemas.microsoft.com/office/drawing/2014/main" id="{AA435966-759C-450A-81E3-47D49BF548E1}"/>
+              </a:ext>
+            </a:extLst>
+          </p:cNvPr>
+          <p:cNvSpPr txBox="1"/>
+          <p:nvPr/>
+        </p:nvSpPr>
+        <p:spPr>
+          <a:xfrm>
+            <a:off x="7804341" y="2059248"/>
+            <a:ext cx="901447" cy="369332"/>
+          </a:xfrm>
+          <a:prstGeom prst="rect">
+            <a:avLst/>
+          </a:prstGeom>
+          <a:noFill/>
+        </p:spPr>
+        <p:txBody>
+          <a:bodyPr wrap="square" rtlCol="0">
+            <a:spAutoFit/>
+          </a:bodyPr>
+          <a:lstStyle/>
+          <a:p>
+            <a:r>
+              <a:rPr lang="en-US" dirty="0"/>
+              <a:t>m=c=0</a:t>
+            </a:r>
+          </a:p>
+        </p:txBody>
+      </p:sp>
+      <p:sp>
+        <p:nvSpPr>
+          <p:cNvPr id="18" name="TextBox 17">
+            <a:extLst>
+              <a:ext uri="{FF2B5EF4-FFF2-40B4-BE49-F238E27FC236}">
+                <a16:creationId xmlns:a16="http://schemas.microsoft.com/office/drawing/2014/main" id="{0944FD31-7FE3-42D3-AECF-D6A04480438C}"/>
+              </a:ext>
+            </a:extLst>
+          </p:cNvPr>
+          <p:cNvSpPr txBox="1"/>
+          <p:nvPr/>
+        </p:nvSpPr>
+        <p:spPr>
+          <a:xfrm>
+            <a:off x="10959902" y="1012875"/>
+            <a:ext cx="1039837" cy="369332"/>
+          </a:xfrm>
+          <a:prstGeom prst="rect">
+            <a:avLst/>
+          </a:prstGeom>
+          <a:noFill/>
+        </p:spPr>
+        <p:txBody>
+          <a:bodyPr wrap="square" rtlCol="0">
+            <a:spAutoFit/>
+          </a:bodyPr>
+          <a:lstStyle/>
+          <a:p>
+            <a:r>
+              <a:rPr lang="en-US" b="1" dirty="0" err="1">
+                <a:latin typeface="Segoe Print" panose="02000600000000000000" pitchFamily="2" charset="0"/>
+              </a:rPr>
+              <a:t>aiQuest</a:t>
+            </a:r>
+            <a:endParaRPr lang="en-US" b="1" dirty="0">
+              <a:latin typeface="Segoe Print" panose="02000600000000000000" pitchFamily="2" charset="0"/>
+            </a:endParaRPr>
+          </a:p>
+        </p:txBody>
+      </p:sp>
+      <p:sp>
+        <p:nvSpPr>
+          <p:cNvPr id="19" name="Oval 18">
+            <a:extLst>
+              <a:ext uri="{FF2B5EF4-FFF2-40B4-BE49-F238E27FC236}">
+                <a16:creationId xmlns:a16="http://schemas.microsoft.com/office/drawing/2014/main" id="{6F0AFD0B-5F38-42C6-956A-F2A65AF5D6F9}"/>
+              </a:ext>
+            </a:extLst>
+          </p:cNvPr>
+          <p:cNvSpPr/>
+          <p:nvPr/>
+        </p:nvSpPr>
+        <p:spPr>
+          <a:xfrm>
+            <a:off x="10959902" y="180941"/>
+            <a:ext cx="869563" cy="768130"/>
+          </a:xfrm>
+          <a:prstGeom prst="ellipse">
+            <a:avLst/>
+          </a:prstGeom>
+          <a:solidFill>
+            <a:schemeClr val="bg1"/>
+          </a:solidFill>
+          <a:ln>
+            <a:solidFill>
+              <a:schemeClr val="tx1"/>
+            </a:solidFill>
+          </a:ln>
+        </p:spPr>
+        <p:style>
+          <a:lnRef idx="2">
+            <a:schemeClr val="accent1">
+              <a:shade val="50000"/>
+            </a:schemeClr>
+          </a:lnRef>
+          <a:fillRef idx="1">
+            <a:schemeClr val="accent1"/>
+          </a:fillRef>
+          <a:effectRef idx="0">
+            <a:schemeClr val="accent1"/>
+          </a:effectRef>
+          <a:fontRef idx="minor">
+            <a:schemeClr val="lt1"/>
+          </a:fontRef>
+        </p:style>
+        <p:txBody>
+          <a:bodyPr rtlCol="0" anchor="ctr"/>
+          <a:lstStyle/>
+          <a:p>
+            <a:pPr algn="ctr"/>
+            <a:endParaRPr lang="en-US"/>
+          </a:p>
+        </p:txBody>
+      </p:sp>
+      <p:pic>
+        <p:nvPicPr>
+          <p:cNvPr id="20" name="Picture 19">
+            <a:extLst>
+              <a:ext uri="{FF2B5EF4-FFF2-40B4-BE49-F238E27FC236}">
+                <a16:creationId xmlns:a16="http://schemas.microsoft.com/office/drawing/2014/main" id="{3011D482-8D59-4B40-ABFD-C602D601ADBA}"/>
+              </a:ext>
+            </a:extLst>
+          </p:cNvPr>
+          <p:cNvPicPr>
+            <a:picLocks noChangeAspect="1"/>
+          </p:cNvPicPr>
+          <p:nvPr/>
+        </p:nvPicPr>
+        <p:blipFill rotWithShape="1">
+          <a:blip r:embed="rId4">
+            <a:extLst>
+              <a:ext uri="{28A0092B-C50C-407E-A947-70E740481C1C}">
+                <a14:useLocalDpi xmlns:a14="http://schemas.microsoft.com/office/drawing/2010/main" val="0"/>
+              </a:ext>
+            </a:extLst>
+          </a:blip>
+          <a:srcRect l="22004" r="15218" b="4407"/>
+          <a:stretch/>
+        </p:blipFill>
+        <p:spPr>
+          <a:xfrm>
+            <a:off x="11092086" y="15349"/>
+            <a:ext cx="737379" cy="1036436"/>
+          </a:xfrm>
+          <a:prstGeom prst="rect">
+            <a:avLst/>
+          </a:prstGeom>
+        </p:spPr>
+      </p:pic>
+    </p:spTree>
+    <p:extLst>
+      <p:ext uri="{BB962C8B-B14F-4D97-AF65-F5344CB8AC3E}">
+        <p14:creationId xmlns:p14="http://schemas.microsoft.com/office/powerpoint/2010/main" val="2041894147"/>
+      </p:ext>
+    </p:extLst>
+  </p:cSld>
+  <p:clrMapOvr>
+    <a:masterClrMapping/>
+  </p:clrMapOvr>
+</p:sld>
+</file>
+
+<file path=ppt/slides/slide34.xml><?xml version="1.0" encoding="utf-8"?>
+<p:sld xmlns:a="http://schemas.openxmlformats.org/drawingml/2006/main" xmlns:r="http://schemas.openxmlformats.org/officeDocument/2006/relationships" xmlns:p="http://schemas.openxmlformats.org/presentationml/2006/main">
+  <p:cSld>
+    <p:spTree>
+      <p:nvGrpSpPr>
+        <p:cNvPr id="1" name=""/>
+        <p:cNvGrpSpPr/>
+        <p:nvPr/>
+      </p:nvGrpSpPr>
+      <p:grpSpPr>
+        <a:xfrm>
+          <a:off x="0" y="0"/>
+          <a:ext cx="0" cy="0"/>
+          <a:chOff x="0" y="0"/>
+          <a:chExt cx="0" cy="0"/>
+        </a:xfrm>
+      </p:grpSpPr>
+      <p:sp>
+        <p:nvSpPr>
+          <p:cNvPr id="2" name="TextBox 1">
+            <a:extLst>
+              <a:ext uri="{FF2B5EF4-FFF2-40B4-BE49-F238E27FC236}">
+                <a16:creationId xmlns:a16="http://schemas.microsoft.com/office/drawing/2014/main" id="{BE092ABC-3148-44DA-9C70-543AACFBB6BB}"/>
+              </a:ext>
+            </a:extLst>
+          </p:cNvPr>
+          <p:cNvSpPr txBox="1"/>
+          <p:nvPr/>
+        </p:nvSpPr>
+        <p:spPr>
+          <a:xfrm rot="19162359">
+            <a:off x="-66268" y="385076"/>
+            <a:ext cx="1744393" cy="369332"/>
+          </a:xfrm>
+          <a:prstGeom prst="rect">
+            <a:avLst/>
+          </a:prstGeom>
+          <a:noFill/>
+        </p:spPr>
+        <p:txBody>
+          <a:bodyPr wrap="square" rtlCol="0">
+            <a:spAutoFit/>
+          </a:bodyPr>
+          <a:lstStyle/>
+          <a:p>
+            <a:r>
+              <a:rPr lang="en-US" dirty="0">
+                <a:latin typeface="Segoe Print" panose="02000600000000000000" pitchFamily="2" charset="0"/>
+              </a:rPr>
+              <a:t>Class - 04</a:t>
+            </a:r>
+          </a:p>
+        </p:txBody>
+      </p:sp>
+      <p:sp>
+        <p:nvSpPr>
+          <p:cNvPr id="7" name="TextBox 6">
+            <a:extLst>
+              <a:ext uri="{FF2B5EF4-FFF2-40B4-BE49-F238E27FC236}">
+                <a16:creationId xmlns:a16="http://schemas.microsoft.com/office/drawing/2014/main" id="{0B2C085B-4F87-43E6-98C7-543D15265458}"/>
+              </a:ext>
+            </a:extLst>
+          </p:cNvPr>
+          <p:cNvSpPr txBox="1"/>
+          <p:nvPr/>
+        </p:nvSpPr>
+        <p:spPr>
+          <a:xfrm>
+            <a:off x="4220308" y="519499"/>
+            <a:ext cx="4304714" cy="400110"/>
+          </a:xfrm>
+          <a:prstGeom prst="rect">
+            <a:avLst/>
+          </a:prstGeom>
+          <a:noFill/>
+        </p:spPr>
+        <p:txBody>
+          <a:bodyPr wrap="square" rtlCol="0">
+            <a:spAutoFit/>
+          </a:bodyPr>
+          <a:lstStyle/>
+          <a:p>
+            <a:r>
+              <a:rPr lang="en-US" sz="2000" dirty="0">
+                <a:latin typeface="Segoe Print" panose="02000600000000000000" pitchFamily="2" charset="0"/>
+              </a:rPr>
+              <a:t>All about Linear Regression</a:t>
+            </a:r>
+          </a:p>
+        </p:txBody>
+      </p:sp>
+      <p:sp>
+        <p:nvSpPr>
           <p:cNvPr id="13" name="TextBox 12">
             <a:extLst>
               <a:ext uri="{FF2B5EF4-FFF2-40B4-BE49-F238E27FC236}">
@@ -19315,7 +19852,7 @@
 </p:sld>
 </file>
 
-<file path=ppt/slides/slide34.xml><?xml version="1.0" encoding="utf-8"?>
+<file path=ppt/slides/slide35.xml><?xml version="1.0" encoding="utf-8"?>
 <p:sld xmlns:a="http://schemas.openxmlformats.org/drawingml/2006/main" xmlns:r="http://schemas.openxmlformats.org/officeDocument/2006/relationships" xmlns:p="http://schemas.openxmlformats.org/presentationml/2006/main">
   <p:cSld>
     <p:spTree>
